--- a/Baocao.pptx
+++ b/Baocao.pptx
@@ -2,7 +2,7 @@
 <file path=ppt/presentation.xml><?xml version="1.0" encoding="utf-8"?>
 <p:presentation xmlns:a="http://schemas.openxmlformats.org/drawingml/2006/main" xmlns:r="http://schemas.openxmlformats.org/officeDocument/2006/relationships" xmlns:p="http://schemas.openxmlformats.org/presentationml/2006/main" saveSubsetFonts="1">
   <p:sldMasterIdLst>
-    <p:sldMasterId id="2147483648" r:id="rId1"/>
+    <p:sldMasterId id="2147483708" r:id="rId1"/>
   </p:sldMasterIdLst>
   <p:sldIdLst>
     <p:sldId id="256" r:id="rId2"/>
@@ -149,19 +149,30 @@
         </p:nvSpPr>
         <p:spPr>
           <a:xfrm>
-            <a:off x="685800" y="2130425"/>
-            <a:ext cx="7772400" cy="1470025"/>
+            <a:off x="685800" y="1905000"/>
+            <a:ext cx="7543800" cy="2593975"/>
           </a:xfrm>
         </p:spPr>
         <p:txBody>
-          <a:bodyPr/>
-          <a:lstStyle/>
+          <a:bodyPr anchor="b"/>
+          <a:lstStyle>
+            <a:lvl1pPr>
+              <a:defRPr sz="6600">
+                <a:ln>
+                  <a:noFill/>
+                </a:ln>
+                <a:solidFill>
+                  <a:schemeClr val="tx2"/>
+                </a:solidFill>
+              </a:defRPr>
+            </a:lvl1pPr>
+          </a:lstStyle>
           <a:p>
             <a:r>
               <a:rPr lang="en-US" smtClean="0"/>
               <a:t>Click to edit Master title style</a:t>
             </a:r>
-            <a:endParaRPr lang="en-US"/>
+            <a:endParaRPr lang="en-US" dirty="0"/>
           </a:p>
         </p:txBody>
       </p:sp>
@@ -177,16 +188,18 @@
         </p:nvSpPr>
         <p:spPr>
           <a:xfrm>
-            <a:off x="1371600" y="3886200"/>
-            <a:ext cx="6400800" cy="1752600"/>
+            <a:off x="685800" y="4572000"/>
+            <a:ext cx="6461760" cy="1066800"/>
           </a:xfrm>
         </p:spPr>
         <p:txBody>
-          <a:bodyPr/>
+          <a:bodyPr anchor="t">
+            <a:normAutofit/>
+          </a:bodyPr>
           <a:lstStyle>
-            <a:lvl1pPr marL="0" indent="0" algn="ctr">
-              <a:buNone/>
-              <a:defRPr>
+            <a:lvl1pPr marL="0" indent="0" algn="l">
+              <a:buNone/>
+              <a:defRPr sz="2000">
                 <a:solidFill>
                   <a:schemeClr val="tx1">
                     <a:tint val="75000"/>
@@ -280,7 +293,7 @@
               <a:rPr lang="en-US" smtClean="0"/>
               <a:t>Click to edit Master subtitle style</a:t>
             </a:r>
-            <a:endParaRPr lang="en-US"/>
+            <a:endParaRPr lang="en-US" dirty="0"/>
           </a:p>
         </p:txBody>
       </p:sp>
@@ -556,18 +569,18 @@
         <p:spPr>
           <a:xfrm>
             <a:off x="6629400" y="274638"/>
-            <a:ext cx="2057400" cy="5851525"/>
+            <a:ext cx="1752600" cy="5851525"/>
           </a:xfrm>
         </p:spPr>
         <p:txBody>
-          <a:bodyPr vert="eaVert"/>
+          <a:bodyPr vert="eaVert" anchor="b" anchorCtr="0"/>
           <a:lstStyle/>
           <a:p>
             <a:r>
               <a:rPr lang="en-US" smtClean="0"/>
               <a:t>Click to edit Master title style</a:t>
             </a:r>
-            <a:endParaRPr lang="en-US"/>
+            <a:endParaRPr lang="en-US" dirty="0"/>
           </a:p>
         </p:txBody>
       </p:sp>
@@ -899,15 +912,15 @@
         </p:nvSpPr>
         <p:spPr>
           <a:xfrm>
-            <a:off x="722313" y="4406900"/>
-            <a:ext cx="7772400" cy="1362075"/>
+            <a:off x="722313" y="5486400"/>
+            <a:ext cx="7659687" cy="1168400"/>
           </a:xfrm>
         </p:spPr>
         <p:txBody>
           <a:bodyPr anchor="t"/>
           <a:lstStyle>
             <a:lvl1pPr algn="l">
-              <a:defRPr sz="4000" b="1" cap="all"/>
+              <a:defRPr sz="3600" b="0" cap="all"/>
             </a:lvl1pPr>
           </a:lstStyle>
           <a:p>
@@ -915,7 +928,7 @@
               <a:rPr lang="en-US" smtClean="0"/>
               <a:t>Click to edit Master title style</a:t>
             </a:r>
-            <a:endParaRPr lang="en-US"/>
+            <a:endParaRPr lang="en-US" dirty="0"/>
           </a:p>
         </p:txBody>
       </p:sp>
@@ -931,8 +944,8 @@
         </p:nvSpPr>
         <p:spPr>
           <a:xfrm>
-            <a:off x="722313" y="2906713"/>
-            <a:ext cx="7772400" cy="1500187"/>
+            <a:off x="722313" y="3852863"/>
+            <a:ext cx="6135687" cy="1633538"/>
           </a:xfrm>
         </p:spPr>
         <p:txBody>
@@ -1165,8 +1178,8 @@
         </p:nvSpPr>
         <p:spPr>
           <a:xfrm>
-            <a:off x="457200" y="1600200"/>
-            <a:ext cx="4038600" cy="4525963"/>
+            <a:off x="457200" y="1536192"/>
+            <a:ext cx="3657600" cy="4590288"/>
           </a:xfrm>
         </p:spPr>
         <p:txBody>
@@ -1234,7 +1247,7 @@
               <a:rPr lang="en-US" smtClean="0"/>
               <a:t>Fifth level</a:t>
             </a:r>
-            <a:endParaRPr lang="en-US"/>
+            <a:endParaRPr lang="en-US" dirty="0"/>
           </a:p>
         </p:txBody>
       </p:sp>
@@ -1250,8 +1263,8 @@
         </p:nvSpPr>
         <p:spPr>
           <a:xfrm>
-            <a:off x="4648200" y="1600200"/>
-            <a:ext cx="4038600" cy="4525963"/>
+            <a:off x="4419600" y="1536192"/>
+            <a:ext cx="3657600" cy="4590288"/>
           </a:xfrm>
         </p:spPr>
         <p:txBody>
@@ -1319,7 +1332,7 @@
               <a:rPr lang="en-US" smtClean="0"/>
               <a:t>Fifth level</a:t>
             </a:r>
-            <a:endParaRPr lang="en-US"/>
+            <a:endParaRPr lang="en-US" dirty="0"/>
           </a:p>
         </p:txBody>
       </p:sp>
@@ -1455,15 +1468,21 @@
         <p:spPr>
           <a:xfrm>
             <a:off x="457200" y="1535113"/>
-            <a:ext cx="4040188" cy="639762"/>
+            <a:ext cx="3657600" cy="639762"/>
           </a:xfrm>
         </p:spPr>
         <p:txBody>
-          <a:bodyPr anchor="b"/>
+          <a:bodyPr anchor="b">
+            <a:noAutofit/>
+          </a:bodyPr>
           <a:lstStyle>
-            <a:lvl1pPr marL="0" indent="0">
-              <a:buNone/>
-              <a:defRPr sz="2400" b="1"/>
+            <a:lvl1pPr marL="0" indent="0" algn="ctr">
+              <a:buNone/>
+              <a:defRPr sz="2000" b="1">
+                <a:solidFill>
+                  <a:schemeClr val="tx2"/>
+                </a:solidFill>
+              </a:defRPr>
             </a:lvl1pPr>
             <a:lvl2pPr marL="457200" indent="0">
               <a:buNone/>
@@ -1520,7 +1539,7 @@
         <p:spPr>
           <a:xfrm>
             <a:off x="457200" y="2174875"/>
-            <a:ext cx="4040188" cy="3951288"/>
+            <a:ext cx="3657600" cy="3951288"/>
           </a:xfrm>
         </p:spPr>
         <p:txBody>
@@ -1588,7 +1607,7 @@
               <a:rPr lang="en-US" smtClean="0"/>
               <a:t>Fifth level</a:t>
             </a:r>
-            <a:endParaRPr lang="en-US"/>
+            <a:endParaRPr lang="en-US" dirty="0"/>
           </a:p>
         </p:txBody>
       </p:sp>
@@ -1604,16 +1623,22 @@
         </p:nvSpPr>
         <p:spPr>
           <a:xfrm>
-            <a:off x="4645025" y="1535113"/>
-            <a:ext cx="4041775" cy="639762"/>
+            <a:off x="4419600" y="1535113"/>
+            <a:ext cx="3657600" cy="639762"/>
           </a:xfrm>
         </p:spPr>
         <p:txBody>
-          <a:bodyPr anchor="b"/>
+          <a:bodyPr anchor="b">
+            <a:noAutofit/>
+          </a:bodyPr>
           <a:lstStyle>
-            <a:lvl1pPr marL="0" indent="0">
-              <a:buNone/>
-              <a:defRPr sz="2400" b="1"/>
+            <a:lvl1pPr marL="0" indent="0" algn="ctr">
+              <a:buNone/>
+              <a:defRPr sz="2000" b="1">
+                <a:solidFill>
+                  <a:schemeClr val="tx2"/>
+                </a:solidFill>
+              </a:defRPr>
             </a:lvl1pPr>
             <a:lvl2pPr marL="457200" indent="0">
               <a:buNone/>
@@ -1669,8 +1694,8 @@
         </p:nvSpPr>
         <p:spPr>
           <a:xfrm>
-            <a:off x="4645025" y="2174875"/>
-            <a:ext cx="4041775" cy="3951288"/>
+            <a:off x="4419600" y="2174875"/>
+            <a:ext cx="3657600" cy="3951288"/>
           </a:xfrm>
         </p:spPr>
         <p:txBody>
@@ -2053,15 +2078,15 @@
         </p:nvSpPr>
         <p:spPr>
           <a:xfrm>
-            <a:off x="457200" y="273050"/>
-            <a:ext cx="3008313" cy="1162050"/>
+            <a:off x="304801" y="5495544"/>
+            <a:ext cx="7772400" cy="594360"/>
           </a:xfrm>
         </p:spPr>
         <p:txBody>
           <a:bodyPr anchor="b"/>
           <a:lstStyle>
-            <a:lvl1pPr algn="l">
-              <a:defRPr sz="2000" b="1"/>
+            <a:lvl1pPr algn="ctr">
+              <a:defRPr sz="2200" b="1"/>
             </a:lvl1pPr>
           </a:lstStyle>
           <a:p>
@@ -2069,117 +2094,34 @@
               <a:rPr lang="en-US" smtClean="0"/>
               <a:t>Click to edit Master title style</a:t>
             </a:r>
-            <a:endParaRPr lang="en-US"/>
-          </a:p>
-        </p:txBody>
-      </p:sp>
-      <p:sp>
-        <p:nvSpPr>
-          <p:cNvPr id="3" name="Content Placeholder 2"/>
-          <p:cNvSpPr>
-            <a:spLocks noGrp="1"/>
-          </p:cNvSpPr>
-          <p:nvPr>
-            <p:ph idx="1"/>
+            <a:endParaRPr lang="en-US" dirty="0"/>
+          </a:p>
+        </p:txBody>
+      </p:sp>
+      <p:sp>
+        <p:nvSpPr>
+          <p:cNvPr id="4" name="Text Placeholder 3"/>
+          <p:cNvSpPr>
+            <a:spLocks noGrp="1"/>
+          </p:cNvSpPr>
+          <p:nvPr>
+            <p:ph type="body" sz="half" idx="2"/>
           </p:nvPr>
         </p:nvSpPr>
         <p:spPr>
           <a:xfrm>
-            <a:off x="3575050" y="273050"/>
-            <a:ext cx="5111750" cy="5853113"/>
+            <a:off x="304799" y="6096000"/>
+            <a:ext cx="7772401" cy="609600"/>
           </a:xfrm>
         </p:spPr>
         <p:txBody>
-          <a:bodyPr/>
+          <a:bodyPr>
+            <a:normAutofit/>
+          </a:bodyPr>
           <a:lstStyle>
-            <a:lvl1pPr>
-              <a:defRPr sz="3200"/>
-            </a:lvl1pPr>
-            <a:lvl2pPr>
-              <a:defRPr sz="2800"/>
-            </a:lvl2pPr>
-            <a:lvl3pPr>
-              <a:defRPr sz="2400"/>
-            </a:lvl3pPr>
-            <a:lvl4pPr>
-              <a:defRPr sz="2000"/>
-            </a:lvl4pPr>
-            <a:lvl5pPr>
-              <a:defRPr sz="2000"/>
-            </a:lvl5pPr>
-            <a:lvl6pPr>
-              <a:defRPr sz="2000"/>
-            </a:lvl6pPr>
-            <a:lvl7pPr>
-              <a:defRPr sz="2000"/>
-            </a:lvl7pPr>
-            <a:lvl8pPr>
-              <a:defRPr sz="2000"/>
-            </a:lvl8pPr>
-            <a:lvl9pPr>
-              <a:defRPr sz="2000"/>
-            </a:lvl9pPr>
-          </a:lstStyle>
-          <a:p>
-            <a:pPr lvl="0"/>
-            <a:r>
-              <a:rPr lang="en-US" smtClean="0"/>
-              <a:t>Click to edit Master text styles</a:t>
-            </a:r>
-          </a:p>
-          <a:p>
-            <a:pPr lvl="1"/>
-            <a:r>
-              <a:rPr lang="en-US" smtClean="0"/>
-              <a:t>Second level</a:t>
-            </a:r>
-          </a:p>
-          <a:p>
-            <a:pPr lvl="2"/>
-            <a:r>
-              <a:rPr lang="en-US" smtClean="0"/>
-              <a:t>Third level</a:t>
-            </a:r>
-          </a:p>
-          <a:p>
-            <a:pPr lvl="3"/>
-            <a:r>
-              <a:rPr lang="en-US" smtClean="0"/>
-              <a:t>Fourth level</a:t>
-            </a:r>
-          </a:p>
-          <a:p>
-            <a:pPr lvl="4"/>
-            <a:r>
-              <a:rPr lang="en-US" smtClean="0"/>
-              <a:t>Fifth level</a:t>
-            </a:r>
-            <a:endParaRPr lang="en-US"/>
-          </a:p>
-        </p:txBody>
-      </p:sp>
-      <p:sp>
-        <p:nvSpPr>
-          <p:cNvPr id="4" name="Text Placeholder 3"/>
-          <p:cNvSpPr>
-            <a:spLocks noGrp="1"/>
-          </p:cNvSpPr>
-          <p:nvPr>
-            <p:ph type="body" sz="half" idx="2"/>
-          </p:nvPr>
-        </p:nvSpPr>
-        <p:spPr>
-          <a:xfrm>
-            <a:off x="457200" y="1435100"/>
-            <a:ext cx="3008313" cy="4691063"/>
-          </a:xfrm>
-        </p:spPr>
-        <p:txBody>
-          <a:bodyPr/>
-          <a:lstStyle>
-            <a:lvl1pPr marL="0" indent="0">
-              <a:buNone/>
-              <a:defRPr sz="1400"/>
+            <a:lvl1pPr marL="0" indent="0" algn="ctr">
+              <a:buNone/>
+              <a:defRPr sz="1600"/>
             </a:lvl1pPr>
             <a:lvl2pPr marL="457200" indent="0">
               <a:buNone/>
@@ -2286,6 +2228,63 @@
               <a:pPr/>
               <a:t>‹#›</a:t>
             </a:fld>
+            <a:endParaRPr lang="en-US"/>
+          </a:p>
+        </p:txBody>
+      </p:sp>
+      <p:sp>
+        <p:nvSpPr>
+          <p:cNvPr id="9" name="Content Placeholder 8"/>
+          <p:cNvSpPr>
+            <a:spLocks noGrp="1"/>
+          </p:cNvSpPr>
+          <p:nvPr>
+            <p:ph sz="quarter" idx="13"/>
+          </p:nvPr>
+        </p:nvSpPr>
+        <p:spPr>
+          <a:xfrm>
+            <a:off x="304800" y="381000"/>
+            <a:ext cx="7772400" cy="4942840"/>
+          </a:xfrm>
+        </p:spPr>
+        <p:txBody>
+          <a:bodyPr/>
+          <a:lstStyle/>
+          <a:p>
+            <a:pPr lvl="0"/>
+            <a:r>
+              <a:rPr lang="en-US" smtClean="0"/>
+              <a:t>Click to edit Master text styles</a:t>
+            </a:r>
+          </a:p>
+          <a:p>
+            <a:pPr lvl="1"/>
+            <a:r>
+              <a:rPr lang="en-US" smtClean="0"/>
+              <a:t>Second level</a:t>
+            </a:r>
+          </a:p>
+          <a:p>
+            <a:pPr lvl="2"/>
+            <a:r>
+              <a:rPr lang="en-US" smtClean="0"/>
+              <a:t>Third level</a:t>
+            </a:r>
+          </a:p>
+          <a:p>
+            <a:pPr lvl="3"/>
+            <a:r>
+              <a:rPr lang="en-US" smtClean="0"/>
+              <a:t>Fourth level</a:t>
+            </a:r>
+          </a:p>
+          <a:p>
+            <a:pPr lvl="4"/>
+            <a:r>
+              <a:rPr lang="en-US" smtClean="0"/>
+              <a:t>Fifth level</a:t>
+            </a:r>
             <a:endParaRPr lang="en-US"/>
           </a:p>
         </p:txBody>
@@ -2327,15 +2326,22 @@
         </p:nvSpPr>
         <p:spPr>
           <a:xfrm>
-            <a:off x="1792288" y="4800600"/>
-            <a:ext cx="5486400" cy="566738"/>
+            <a:off x="301752" y="5495278"/>
+            <a:ext cx="7772400" cy="594626"/>
           </a:xfrm>
         </p:spPr>
         <p:txBody>
           <a:bodyPr anchor="b"/>
           <a:lstStyle>
-            <a:lvl1pPr algn="l">
-              <a:defRPr sz="2000" b="1"/>
+            <a:lvl1pPr algn="ctr">
+              <a:defRPr sz="2200" b="1">
+                <a:ln>
+                  <a:noFill/>
+                </a:ln>
+                <a:solidFill>
+                  <a:schemeClr val="tx2"/>
+                </a:solidFill>
+              </a:defRPr>
             </a:lvl1pPr>
           </a:lstStyle>
           <a:p>
@@ -2343,7 +2349,7 @@
               <a:rPr lang="en-US" smtClean="0"/>
               <a:t>Click to edit Master title style</a:t>
             </a:r>
-            <a:endParaRPr lang="en-US"/>
+            <a:endParaRPr lang="en-US" dirty="0"/>
           </a:p>
         </p:txBody>
       </p:sp>
@@ -2359,8 +2365,8 @@
         </p:nvSpPr>
         <p:spPr>
           <a:xfrm>
-            <a:off x="1792288" y="612775"/>
-            <a:ext cx="5486400" cy="4114800"/>
+            <a:off x="0" y="0"/>
+            <a:ext cx="8458200" cy="5486400"/>
           </a:xfrm>
         </p:spPr>
         <p:txBody>
@@ -2404,7 +2410,11 @@
             </a:lvl9pPr>
           </a:lstStyle>
           <a:p>
-            <a:endParaRPr lang="en-US"/>
+            <a:r>
+              <a:rPr lang="en-US" smtClean="0"/>
+              <a:t>Click icon to add picture</a:t>
+            </a:r>
+            <a:endParaRPr lang="en-US" dirty="0"/>
           </a:p>
         </p:txBody>
       </p:sp>
@@ -2420,16 +2430,18 @@
         </p:nvSpPr>
         <p:spPr>
           <a:xfrm>
-            <a:off x="1792288" y="5367338"/>
-            <a:ext cx="5486400" cy="804862"/>
+            <a:off x="301752" y="6096000"/>
+            <a:ext cx="7772400" cy="612648"/>
           </a:xfrm>
         </p:spPr>
         <p:txBody>
-          <a:bodyPr/>
+          <a:bodyPr>
+            <a:normAutofit/>
+          </a:bodyPr>
           <a:lstStyle>
-            <a:lvl1pPr marL="0" indent="0">
-              <a:buNone/>
-              <a:defRPr sz="1400"/>
+            <a:lvl1pPr marL="0" indent="0" algn="ctr">
+              <a:buNone/>
+              <a:defRPr sz="1600"/>
             </a:lvl1pPr>
             <a:lvl2pPr marL="457200" indent="0">
               <a:buNone/>
@@ -2475,7 +2487,7 @@
       </p:sp>
       <p:sp>
         <p:nvSpPr>
-          <p:cNvPr id="5" name="Date Placeholder 4"/>
+          <p:cNvPr id="8" name="Date Placeholder 7"/>
           <p:cNvSpPr>
             <a:spLocks noGrp="1"/>
           </p:cNvSpPr>
@@ -2499,31 +2511,12 @@
       </p:sp>
       <p:sp>
         <p:nvSpPr>
-          <p:cNvPr id="6" name="Footer Placeholder 5"/>
-          <p:cNvSpPr>
-            <a:spLocks noGrp="1"/>
-          </p:cNvSpPr>
-          <p:nvPr>
-            <p:ph type="ftr" sz="quarter" idx="11"/>
-          </p:nvPr>
-        </p:nvSpPr>
-        <p:spPr/>
-        <p:txBody>
-          <a:bodyPr/>
-          <a:lstStyle/>
-          <a:p>
-            <a:endParaRPr lang="en-US"/>
-          </a:p>
-        </p:txBody>
-      </p:sp>
-      <p:sp>
-        <p:nvSpPr>
-          <p:cNvPr id="7" name="Slide Number Placeholder 6"/>
-          <p:cNvSpPr>
-            <a:spLocks noGrp="1"/>
-          </p:cNvSpPr>
-          <p:nvPr>
-            <p:ph type="sldNum" sz="quarter" idx="12"/>
+          <p:cNvPr id="9" name="Slide Number Placeholder 8"/>
+          <p:cNvSpPr>
+            <a:spLocks noGrp="1"/>
+          </p:cNvSpPr>
+          <p:nvPr>
+            <p:ph type="sldNum" sz="quarter" idx="11"/>
           </p:nvPr>
         </p:nvSpPr>
         <p:spPr/>
@@ -2536,6 +2529,25 @@
               <a:pPr/>
               <a:t>‹#›</a:t>
             </a:fld>
+            <a:endParaRPr lang="en-US"/>
+          </a:p>
+        </p:txBody>
+      </p:sp>
+      <p:sp>
+        <p:nvSpPr>
+          <p:cNvPr id="10" name="Footer Placeholder 9"/>
+          <p:cNvSpPr>
+            <a:spLocks noGrp="1"/>
+          </p:cNvSpPr>
+          <p:nvPr>
+            <p:ph type="ftr" sz="quarter" idx="12"/>
+          </p:nvPr>
+        </p:nvSpPr>
+        <p:spPr/>
+        <p:txBody>
+          <a:bodyPr/>
+          <a:lstStyle/>
+          <a:p>
             <a:endParaRPr lang="en-US"/>
           </a:p>
         </p:txBody>
@@ -2552,7 +2564,7 @@
 <p:sldMaster xmlns:a="http://schemas.openxmlformats.org/drawingml/2006/main" xmlns:r="http://schemas.openxmlformats.org/officeDocument/2006/relationships" xmlns:p="http://schemas.openxmlformats.org/presentationml/2006/main">
   <p:cSld>
     <p:bg>
-      <p:bgRef idx="1001">
+      <p:bgRef idx="1002">
         <a:schemeClr val="bg1"/>
       </p:bgRef>
     </p:bg>
@@ -2583,7 +2595,7 @@
         <p:spPr>
           <a:xfrm>
             <a:off x="457200" y="274638"/>
-            <a:ext cx="8229600" cy="1143000"/>
+            <a:ext cx="7620000" cy="1143000"/>
           </a:xfrm>
           <a:prstGeom prst="rect">
             <a:avLst/>
@@ -2591,7 +2603,7 @@
         </p:spPr>
         <p:txBody>
           <a:bodyPr vert="horz" lIns="91440" tIns="45720" rIns="91440" bIns="45720" rtlCol="0" anchor="ctr">
-            <a:normAutofit/>
+            <a:noAutofit/>
           </a:bodyPr>
           <a:lstStyle/>
           <a:p>
@@ -2599,7 +2611,7 @@
               <a:rPr lang="en-US" smtClean="0"/>
               <a:t>Click to edit Master title style</a:t>
             </a:r>
-            <a:endParaRPr lang="en-US"/>
+            <a:endParaRPr lang="en-US" dirty="0"/>
           </a:p>
         </p:txBody>
       </p:sp>
@@ -2616,7 +2628,7 @@
         <p:spPr>
           <a:xfrm>
             <a:off x="457200" y="1600200"/>
-            <a:ext cx="8229600" cy="4525963"/>
+            <a:ext cx="7620000" cy="4800600"/>
           </a:xfrm>
           <a:prstGeom prst="rect">
             <a:avLst/>
@@ -2661,24 +2673,163 @@
               <a:rPr lang="en-US" smtClean="0"/>
               <a:t>Fifth level</a:t>
             </a:r>
-            <a:endParaRPr lang="en-US"/>
-          </a:p>
-        </p:txBody>
-      </p:sp>
-      <p:sp>
-        <p:nvSpPr>
-          <p:cNvPr id="4" name="Date Placeholder 3"/>
-          <p:cNvSpPr>
-            <a:spLocks noGrp="1"/>
-          </p:cNvSpPr>
-          <p:nvPr>
-            <p:ph type="dt" sz="half" idx="2"/>
-          </p:nvPr>
+            <a:endParaRPr lang="en-US" dirty="0"/>
+          </a:p>
+        </p:txBody>
+      </p:sp>
+      <p:sp>
+        <p:nvSpPr>
+          <p:cNvPr id="7" name="Rectangle 6"/>
+          <p:cNvSpPr/>
+          <p:nvPr/>
         </p:nvSpPr>
         <p:spPr>
           <a:xfrm>
-            <a:off x="457200" y="6356350"/>
-            <a:ext cx="2133600" cy="365125"/>
+            <a:off x="8458200" y="0"/>
+            <a:ext cx="685800" cy="6858000"/>
+          </a:xfrm>
+          <a:prstGeom prst="rect">
+            <a:avLst/>
+          </a:prstGeom>
+          <a:solidFill>
+            <a:schemeClr val="tx2"/>
+          </a:solidFill>
+          <a:ln>
+            <a:noFill/>
+          </a:ln>
+        </p:spPr>
+        <p:style>
+          <a:lnRef idx="2">
+            <a:schemeClr val="accent1">
+              <a:shade val="50000"/>
+            </a:schemeClr>
+          </a:lnRef>
+          <a:fillRef idx="1">
+            <a:schemeClr val="accent1"/>
+          </a:fillRef>
+          <a:effectRef idx="0">
+            <a:schemeClr val="accent1"/>
+          </a:effectRef>
+          <a:fontRef idx="minor">
+            <a:schemeClr val="lt1"/>
+          </a:fontRef>
+        </p:style>
+        <p:txBody>
+          <a:bodyPr rtlCol="0" anchor="ctr"/>
+          <a:lstStyle/>
+          <a:p>
+            <a:pPr algn="ctr"/>
+            <a:endParaRPr lang="en-US"/>
+          </a:p>
+        </p:txBody>
+      </p:sp>
+      <p:sp>
+        <p:nvSpPr>
+          <p:cNvPr id="8" name="Rectangle 7"/>
+          <p:cNvSpPr/>
+          <p:nvPr/>
+        </p:nvSpPr>
+        <p:spPr>
+          <a:xfrm>
+            <a:off x="8458200" y="5486400"/>
+            <a:ext cx="685800" cy="685800"/>
+          </a:xfrm>
+          <a:prstGeom prst="rect">
+            <a:avLst/>
+          </a:prstGeom>
+          <a:solidFill>
+            <a:schemeClr val="accent1"/>
+          </a:solidFill>
+          <a:ln>
+            <a:noFill/>
+          </a:ln>
+        </p:spPr>
+        <p:style>
+          <a:lnRef idx="2">
+            <a:schemeClr val="accent1">
+              <a:shade val="50000"/>
+            </a:schemeClr>
+          </a:lnRef>
+          <a:fillRef idx="1">
+            <a:schemeClr val="accent1"/>
+          </a:fillRef>
+          <a:effectRef idx="0">
+            <a:schemeClr val="accent1"/>
+          </a:effectRef>
+          <a:fontRef idx="minor">
+            <a:schemeClr val="lt1"/>
+          </a:fontRef>
+        </p:style>
+        <p:txBody>
+          <a:bodyPr rtlCol="0" anchor="ctr"/>
+          <a:lstStyle/>
+          <a:p>
+            <a:pPr algn="ctr"/>
+            <a:endParaRPr lang="en-US"/>
+          </a:p>
+        </p:txBody>
+      </p:sp>
+      <p:sp>
+        <p:nvSpPr>
+          <p:cNvPr id="6" name="Slide Number Placeholder 5"/>
+          <p:cNvSpPr>
+            <a:spLocks noGrp="1"/>
+          </p:cNvSpPr>
+          <p:nvPr>
+            <p:ph type="sldNum" sz="quarter" idx="4"/>
+          </p:nvPr>
+        </p:nvSpPr>
+        <p:spPr>
+          <a:xfrm>
+            <a:off x="8531788" y="5648960"/>
+            <a:ext cx="548640" cy="396240"/>
+          </a:xfrm>
+          <a:prstGeom prst="bracketPair">
+            <a:avLst>
+              <a:gd name="adj" fmla="val 17949"/>
+            </a:avLst>
+          </a:prstGeom>
+          <a:ln w="19050">
+            <a:solidFill>
+              <a:srgbClr val="FFFFFF"/>
+            </a:solidFill>
+          </a:ln>
+        </p:spPr>
+        <p:txBody>
+          <a:bodyPr vert="horz" lIns="0" tIns="0" rIns="0" bIns="0" rtlCol="0" anchor="ctr"/>
+          <a:lstStyle>
+            <a:lvl1pPr algn="ctr">
+              <a:defRPr sz="1800">
+                <a:solidFill>
+                  <a:srgbClr val="FFFFFF"/>
+                </a:solidFill>
+              </a:defRPr>
+            </a:lvl1pPr>
+          </a:lstStyle>
+          <a:p>
+            <a:fld id="{B6F15528-21DE-4FAA-801E-634DDDAF4B2B}" type="slidenum">
+              <a:rPr lang="en-US" smtClean="0"/>
+              <a:pPr/>
+              <a:t>‹#›</a:t>
+            </a:fld>
+            <a:endParaRPr lang="en-US"/>
+          </a:p>
+        </p:txBody>
+      </p:sp>
+      <p:sp>
+        <p:nvSpPr>
+          <p:cNvPr id="5" name="Footer Placeholder 4"/>
+          <p:cNvSpPr>
+            <a:spLocks noGrp="1"/>
+          </p:cNvSpPr>
+          <p:nvPr>
+            <p:ph type="ftr" sz="quarter" idx="3"/>
+          </p:nvPr>
+        </p:nvSpPr>
+        <p:spPr>
+          <a:xfrm rot="16200000">
+            <a:off x="7586910" y="4048760"/>
+            <a:ext cx="2367281" cy="365760"/>
           </a:xfrm>
           <a:prstGeom prst="rect">
             <a:avLst/>
@@ -2687,40 +2838,33 @@
         <p:txBody>
           <a:bodyPr vert="horz" lIns="91440" tIns="45720" rIns="91440" bIns="45720" rtlCol="0" anchor="ctr"/>
           <a:lstStyle>
-            <a:lvl1pPr algn="l">
+            <a:lvl1pPr algn="r">
               <a:defRPr sz="1200">
                 <a:solidFill>
-                  <a:schemeClr val="tx1">
-                    <a:tint val="75000"/>
-                  </a:schemeClr>
+                  <a:schemeClr val="bg2"/>
                 </a:solidFill>
               </a:defRPr>
             </a:lvl1pPr>
           </a:lstStyle>
           <a:p>
-            <a:fld id="{1D8BD707-D9CF-40AE-B4C6-C98DA3205C09}" type="datetimeFigureOut">
-              <a:rPr lang="en-US" smtClean="0"/>
-              <a:pPr/>
-              <a:t>8/12/2020</a:t>
-            </a:fld>
-            <a:endParaRPr lang="en-US"/>
-          </a:p>
-        </p:txBody>
-      </p:sp>
-      <p:sp>
-        <p:nvSpPr>
-          <p:cNvPr id="5" name="Footer Placeholder 4"/>
-          <p:cNvSpPr>
-            <a:spLocks noGrp="1"/>
-          </p:cNvSpPr>
-          <p:nvPr>
-            <p:ph type="ftr" sz="quarter" idx="3"/>
+            <a:endParaRPr lang="en-US"/>
+          </a:p>
+        </p:txBody>
+      </p:sp>
+      <p:sp>
+        <p:nvSpPr>
+          <p:cNvPr id="4" name="Date Placeholder 3"/>
+          <p:cNvSpPr>
+            <a:spLocks noGrp="1"/>
+          </p:cNvSpPr>
+          <p:nvPr>
+            <p:ph type="dt" sz="half" idx="2"/>
           </p:nvPr>
         </p:nvSpPr>
         <p:spPr>
-          <a:xfrm>
-            <a:off x="3124200" y="6356350"/>
-            <a:ext cx="2895600" cy="365125"/>
+          <a:xfrm rot="16200000">
+            <a:off x="7551351" y="1645920"/>
+            <a:ext cx="2438399" cy="365760"/>
           </a:xfrm>
           <a:prstGeom prst="rect">
             <a:avLst/>
@@ -2729,58 +2873,19 @@
         <p:txBody>
           <a:bodyPr vert="horz" lIns="91440" tIns="45720" rIns="91440" bIns="45720" rtlCol="0" anchor="ctr"/>
           <a:lstStyle>
-            <a:lvl1pPr algn="ctr">
+            <a:lvl1pPr algn="l">
               <a:defRPr sz="1200">
                 <a:solidFill>
-                  <a:schemeClr val="tx1">
-                    <a:tint val="75000"/>
-                  </a:schemeClr>
+                  <a:schemeClr val="bg2"/>
                 </a:solidFill>
               </a:defRPr>
             </a:lvl1pPr>
           </a:lstStyle>
           <a:p>
-            <a:endParaRPr lang="en-US"/>
-          </a:p>
-        </p:txBody>
-      </p:sp>
-      <p:sp>
-        <p:nvSpPr>
-          <p:cNvPr id="6" name="Slide Number Placeholder 5"/>
-          <p:cNvSpPr>
-            <a:spLocks noGrp="1"/>
-          </p:cNvSpPr>
-          <p:nvPr>
-            <p:ph type="sldNum" sz="quarter" idx="4"/>
-          </p:nvPr>
-        </p:nvSpPr>
-        <p:spPr>
-          <a:xfrm>
-            <a:off x="6553200" y="6356350"/>
-            <a:ext cx="2133600" cy="365125"/>
-          </a:xfrm>
-          <a:prstGeom prst="rect">
-            <a:avLst/>
-          </a:prstGeom>
-        </p:spPr>
-        <p:txBody>
-          <a:bodyPr vert="horz" lIns="91440" tIns="45720" rIns="91440" bIns="45720" rtlCol="0" anchor="ctr"/>
-          <a:lstStyle>
-            <a:lvl1pPr algn="r">
-              <a:defRPr sz="1200">
-                <a:solidFill>
-                  <a:schemeClr val="tx1">
-                    <a:tint val="75000"/>
-                  </a:schemeClr>
-                </a:solidFill>
-              </a:defRPr>
-            </a:lvl1pPr>
-          </a:lstStyle>
-          <a:p>
-            <a:fld id="{B6F15528-21DE-4FAA-801E-634DDDAF4B2B}" type="slidenum">
+            <a:fld id="{1D8BD707-D9CF-40AE-B4C6-C98DA3205C09}" type="datetimeFigureOut">
               <a:rPr lang="en-US" smtClean="0"/>
               <a:pPr/>
-              <a:t>‹#›</a:t>
+              <a:t>8/12/2020</a:t>
             </a:fld>
             <a:endParaRPr lang="en-US"/>
           </a:p>
@@ -2790,29 +2895,33 @@
   </p:cSld>
   <p:clrMap bg1="lt1" tx1="dk1" bg2="lt2" tx2="dk2" accent1="accent1" accent2="accent2" accent3="accent3" accent4="accent4" accent5="accent5" accent6="accent6" hlink="hlink" folHlink="folHlink"/>
   <p:sldLayoutIdLst>
-    <p:sldLayoutId id="2147483649" r:id="rId1"/>
-    <p:sldLayoutId id="2147483650" r:id="rId2"/>
-    <p:sldLayoutId id="2147483651" r:id="rId3"/>
-    <p:sldLayoutId id="2147483652" r:id="rId4"/>
-    <p:sldLayoutId id="2147483653" r:id="rId5"/>
-    <p:sldLayoutId id="2147483654" r:id="rId6"/>
-    <p:sldLayoutId id="2147483655" r:id="rId7"/>
-    <p:sldLayoutId id="2147483656" r:id="rId8"/>
-    <p:sldLayoutId id="2147483657" r:id="rId9"/>
-    <p:sldLayoutId id="2147483658" r:id="rId10"/>
-    <p:sldLayoutId id="2147483659" r:id="rId11"/>
+    <p:sldLayoutId id="2147483709" r:id="rId1"/>
+    <p:sldLayoutId id="2147483710" r:id="rId2"/>
+    <p:sldLayoutId id="2147483711" r:id="rId3"/>
+    <p:sldLayoutId id="2147483712" r:id="rId4"/>
+    <p:sldLayoutId id="2147483713" r:id="rId5"/>
+    <p:sldLayoutId id="2147483714" r:id="rId6"/>
+    <p:sldLayoutId id="2147483715" r:id="rId7"/>
+    <p:sldLayoutId id="2147483716" r:id="rId8"/>
+    <p:sldLayoutId id="2147483717" r:id="rId9"/>
+    <p:sldLayoutId id="2147483718" r:id="rId10"/>
+    <p:sldLayoutId id="2147483719" r:id="rId11"/>
   </p:sldLayoutIdLst>
   <p:txStyles>
     <p:titleStyle>
-      <a:lvl1pPr algn="ctr" defTabSz="914400" rtl="0" eaLnBrk="1" latinLnBrk="0" hangingPunct="1">
+      <a:lvl1pPr algn="l" defTabSz="914400" rtl="0" eaLnBrk="1" latinLnBrk="0" hangingPunct="1">
         <a:spcBef>
           <a:spcPct val="0"/>
         </a:spcBef>
         <a:buNone/>
-        <a:defRPr sz="4400" kern="1200">
+        <a:defRPr sz="4600" kern="1200" cap="none" spc="-100" baseline="0">
+          <a:ln>
+            <a:noFill/>
+          </a:ln>
           <a:solidFill>
-            <a:schemeClr val="tx1"/>
+            <a:schemeClr val="tx2"/>
           </a:solidFill>
+          <a:effectLst/>
           <a:latin typeface="+mj-lt"/>
           <a:ea typeface="+mj-ea"/>
           <a:cs typeface="+mj-cs"/>
@@ -2820,13 +2929,16 @@
       </a:lvl1pPr>
     </p:titleStyle>
     <p:bodyStyle>
-      <a:lvl1pPr marL="342900" indent="-342900" algn="l" defTabSz="914400" rtl="0" eaLnBrk="1" latinLnBrk="0" hangingPunct="1">
+      <a:lvl1pPr marL="342900" indent="-228600" algn="l" defTabSz="914400" rtl="0" eaLnBrk="1" latinLnBrk="0" hangingPunct="1">
         <a:spcBef>
           <a:spcPct val="20000"/>
         </a:spcBef>
+        <a:buClr>
+          <a:schemeClr val="accent1"/>
+        </a:buClr>
         <a:buFont typeface="Arial" pitchFamily="34" charset="0"/>
         <a:buChar char="•"/>
-        <a:defRPr sz="3200" kern="1200">
+        <a:defRPr sz="2200" kern="1200">
           <a:solidFill>
             <a:schemeClr val="tx1"/>
           </a:solidFill>
@@ -2835,70 +2947,13 @@
           <a:cs typeface="+mn-cs"/>
         </a:defRPr>
       </a:lvl1pPr>
-      <a:lvl2pPr marL="742950" indent="-285750" algn="l" defTabSz="914400" rtl="0" eaLnBrk="1" latinLnBrk="0" hangingPunct="1">
+      <a:lvl2pPr marL="640080" indent="-228600" algn="l" defTabSz="914400" rtl="0" eaLnBrk="1" latinLnBrk="0" hangingPunct="1">
         <a:spcBef>
           <a:spcPct val="20000"/>
         </a:spcBef>
-        <a:buFont typeface="Arial" pitchFamily="34" charset="0"/>
-        <a:buChar char="–"/>
-        <a:defRPr sz="2800" kern="1200">
-          <a:solidFill>
-            <a:schemeClr val="tx1"/>
-          </a:solidFill>
-          <a:latin typeface="+mn-lt"/>
-          <a:ea typeface="+mn-ea"/>
-          <a:cs typeface="+mn-cs"/>
-        </a:defRPr>
-      </a:lvl2pPr>
-      <a:lvl3pPr marL="1143000" indent="-228600" algn="l" defTabSz="914400" rtl="0" eaLnBrk="1" latinLnBrk="0" hangingPunct="1">
-        <a:spcBef>
-          <a:spcPct val="20000"/>
-        </a:spcBef>
-        <a:buFont typeface="Arial" pitchFamily="34" charset="0"/>
-        <a:buChar char="•"/>
-        <a:defRPr sz="2400" kern="1200">
-          <a:solidFill>
-            <a:schemeClr val="tx1"/>
-          </a:solidFill>
-          <a:latin typeface="+mn-lt"/>
-          <a:ea typeface="+mn-ea"/>
-          <a:cs typeface="+mn-cs"/>
-        </a:defRPr>
-      </a:lvl3pPr>
-      <a:lvl4pPr marL="1600200" indent="-228600" algn="l" defTabSz="914400" rtl="0" eaLnBrk="1" latinLnBrk="0" hangingPunct="1">
-        <a:spcBef>
-          <a:spcPct val="20000"/>
-        </a:spcBef>
-        <a:buFont typeface="Arial" pitchFamily="34" charset="0"/>
-        <a:buChar char="–"/>
-        <a:defRPr sz="2000" kern="1200">
-          <a:solidFill>
-            <a:schemeClr val="tx1"/>
-          </a:solidFill>
-          <a:latin typeface="+mn-lt"/>
-          <a:ea typeface="+mn-ea"/>
-          <a:cs typeface="+mn-cs"/>
-        </a:defRPr>
-      </a:lvl4pPr>
-      <a:lvl5pPr marL="2057400" indent="-228600" algn="l" defTabSz="914400" rtl="0" eaLnBrk="1" latinLnBrk="0" hangingPunct="1">
-        <a:spcBef>
-          <a:spcPct val="20000"/>
-        </a:spcBef>
-        <a:buFont typeface="Arial" pitchFamily="34" charset="0"/>
-        <a:buChar char="»"/>
-        <a:defRPr sz="2000" kern="1200">
-          <a:solidFill>
-            <a:schemeClr val="tx1"/>
-          </a:solidFill>
-          <a:latin typeface="+mn-lt"/>
-          <a:ea typeface="+mn-ea"/>
-          <a:cs typeface="+mn-cs"/>
-        </a:defRPr>
-      </a:lvl5pPr>
-      <a:lvl6pPr marL="2514600" indent="-228600" algn="l" defTabSz="914400" rtl="0" eaLnBrk="1" latinLnBrk="0" hangingPunct="1">
-        <a:spcBef>
-          <a:spcPct val="20000"/>
-        </a:spcBef>
+        <a:buClr>
+          <a:schemeClr val="accent2"/>
+        </a:buClr>
         <a:buFont typeface="Arial" pitchFamily="34" charset="0"/>
         <a:buChar char="•"/>
         <a:defRPr sz="2000" kern="1200">
@@ -2909,14 +2964,89 @@
           <a:ea typeface="+mn-ea"/>
           <a:cs typeface="+mn-cs"/>
         </a:defRPr>
-      </a:lvl6pPr>
-      <a:lvl7pPr marL="2971800" indent="-228600" algn="l" defTabSz="914400" rtl="0" eaLnBrk="1" latinLnBrk="0" hangingPunct="1">
+      </a:lvl2pPr>
+      <a:lvl3pPr marL="1005840" indent="-228600" algn="l" defTabSz="914400" rtl="0" eaLnBrk="1" latinLnBrk="0" hangingPunct="1">
         <a:spcBef>
           <a:spcPct val="20000"/>
         </a:spcBef>
+        <a:buClr>
+          <a:schemeClr val="accent3"/>
+        </a:buClr>
         <a:buFont typeface="Arial" pitchFamily="34" charset="0"/>
         <a:buChar char="•"/>
-        <a:defRPr sz="2000" kern="1200">
+        <a:defRPr sz="1800" kern="1200">
+          <a:solidFill>
+            <a:schemeClr val="tx1"/>
+          </a:solidFill>
+          <a:latin typeface="+mn-lt"/>
+          <a:ea typeface="+mn-ea"/>
+          <a:cs typeface="+mn-cs"/>
+        </a:defRPr>
+      </a:lvl3pPr>
+      <a:lvl4pPr marL="1280160" indent="-228600" algn="l" defTabSz="914400" rtl="0" eaLnBrk="1" latinLnBrk="0" hangingPunct="1">
+        <a:spcBef>
+          <a:spcPct val="20000"/>
+        </a:spcBef>
+        <a:buClr>
+          <a:schemeClr val="accent4"/>
+        </a:buClr>
+        <a:buFont typeface="Arial" pitchFamily="34" charset="0"/>
+        <a:buChar char="•"/>
+        <a:defRPr sz="1600" kern="1200">
+          <a:solidFill>
+            <a:schemeClr val="tx1"/>
+          </a:solidFill>
+          <a:latin typeface="+mn-lt"/>
+          <a:ea typeface="+mn-ea"/>
+          <a:cs typeface="+mn-cs"/>
+        </a:defRPr>
+      </a:lvl4pPr>
+      <a:lvl5pPr marL="1554480" indent="-228600" algn="l" defTabSz="914400" rtl="0" eaLnBrk="1" latinLnBrk="0" hangingPunct="1">
+        <a:spcBef>
+          <a:spcPct val="20000"/>
+        </a:spcBef>
+        <a:buClr>
+          <a:schemeClr val="accent5"/>
+        </a:buClr>
+        <a:buFont typeface="Arial" pitchFamily="34" charset="0"/>
+        <a:buChar char="•"/>
+        <a:defRPr sz="1400" kern="1200" baseline="0">
+          <a:solidFill>
+            <a:schemeClr val="tx1"/>
+          </a:solidFill>
+          <a:latin typeface="+mn-lt"/>
+          <a:ea typeface="+mn-ea"/>
+          <a:cs typeface="+mn-cs"/>
+        </a:defRPr>
+      </a:lvl5pPr>
+      <a:lvl6pPr marL="1737360" indent="-182880" algn="l" defTabSz="914400" rtl="0" eaLnBrk="1" latinLnBrk="0" hangingPunct="1">
+        <a:spcBef>
+          <a:spcPct val="20000"/>
+        </a:spcBef>
+        <a:buClr>
+          <a:schemeClr val="accent1"/>
+        </a:buClr>
+        <a:buFont typeface="Arial" pitchFamily="34" charset="0"/>
+        <a:buChar char="•"/>
+        <a:defRPr sz="1400" kern="1200" baseline="0">
+          <a:solidFill>
+            <a:schemeClr val="tx1"/>
+          </a:solidFill>
+          <a:latin typeface="+mn-lt"/>
+          <a:ea typeface="+mn-ea"/>
+          <a:cs typeface="+mn-cs"/>
+        </a:defRPr>
+      </a:lvl6pPr>
+      <a:lvl7pPr marL="1920240" indent="-182880" algn="l" defTabSz="914400" rtl="0" eaLnBrk="1" latinLnBrk="0" hangingPunct="1">
+        <a:spcBef>
+          <a:spcPct val="20000"/>
+        </a:spcBef>
+        <a:buClr>
+          <a:schemeClr val="accent2"/>
+        </a:buClr>
+        <a:buFont typeface="Arial" pitchFamily="34" charset="0"/>
+        <a:buChar char="•"/>
+        <a:defRPr sz="1400" kern="1200">
           <a:solidFill>
             <a:schemeClr val="tx1"/>
           </a:solidFill>
@@ -2925,13 +3055,16 @@
           <a:cs typeface="+mn-cs"/>
         </a:defRPr>
       </a:lvl7pPr>
-      <a:lvl8pPr marL="3429000" indent="-228600" algn="l" defTabSz="914400" rtl="0" eaLnBrk="1" latinLnBrk="0" hangingPunct="1">
+      <a:lvl8pPr marL="2103120" indent="-182880" algn="l" defTabSz="914400" rtl="0" eaLnBrk="1" latinLnBrk="0" hangingPunct="1">
         <a:spcBef>
           <a:spcPct val="20000"/>
         </a:spcBef>
+        <a:buClr>
+          <a:schemeClr val="accent3"/>
+        </a:buClr>
         <a:buFont typeface="Arial" pitchFamily="34" charset="0"/>
         <a:buChar char="•"/>
-        <a:defRPr sz="2000" kern="1200">
+        <a:defRPr sz="1400" kern="1200">
           <a:solidFill>
             <a:schemeClr val="tx1"/>
           </a:solidFill>
@@ -2940,13 +3073,16 @@
           <a:cs typeface="+mn-cs"/>
         </a:defRPr>
       </a:lvl8pPr>
-      <a:lvl9pPr marL="3886200" indent="-228600" algn="l" defTabSz="914400" rtl="0" eaLnBrk="1" latinLnBrk="0" hangingPunct="1">
+      <a:lvl9pPr marL="2286000" indent="-182880" algn="l" defTabSz="914400" rtl="0" eaLnBrk="1" latinLnBrk="0" hangingPunct="1">
         <a:spcBef>
           <a:spcPct val="20000"/>
         </a:spcBef>
+        <a:buClr>
+          <a:schemeClr val="accent4"/>
+        </a:buClr>
         <a:buFont typeface="Arial" pitchFamily="34" charset="0"/>
         <a:buChar char="•"/>
-        <a:defRPr sz="2000" kern="1200">
+        <a:defRPr sz="1400" kern="1200">
           <a:solidFill>
             <a:schemeClr val="tx1"/>
           </a:solidFill>
@@ -3085,179 +3221,511 @@
         <p:spPr/>
         <p:txBody>
           <a:bodyPr>
-            <a:normAutofit fontScale="90000"/>
+            <a:noAutofit/>
           </a:bodyPr>
           <a:lstStyle/>
           <a:p>
             <a:r>
-              <a:rPr lang="en-US" b="1" dirty="0" err="1"/>
+              <a:rPr lang="en-US" sz="4400" b="1" dirty="0" err="1">
+                <a:solidFill>
+                  <a:schemeClr val="accent1">
+                    <a:lumMod val="75000"/>
+                  </a:schemeClr>
+                </a:solidFill>
+                <a:latin typeface="Times New Roman" pitchFamily="18" charset="0"/>
+                <a:cs typeface="Times New Roman" pitchFamily="18" charset="0"/>
+              </a:rPr>
               <a:t>Báo</a:t>
             </a:r>
             <a:r>
-              <a:rPr lang="en-US" b="1" dirty="0"/>
+              <a:rPr lang="en-US" sz="4400" b="1" dirty="0">
+                <a:solidFill>
+                  <a:schemeClr val="accent1">
+                    <a:lumMod val="75000"/>
+                  </a:schemeClr>
+                </a:solidFill>
+                <a:latin typeface="Times New Roman" pitchFamily="18" charset="0"/>
+                <a:cs typeface="Times New Roman" pitchFamily="18" charset="0"/>
+              </a:rPr>
               <a:t> </a:t>
             </a:r>
             <a:r>
-              <a:rPr lang="en-US" b="1" dirty="0" err="1"/>
+              <a:rPr lang="en-US" sz="4400" b="1" dirty="0" err="1">
+                <a:solidFill>
+                  <a:schemeClr val="accent1">
+                    <a:lumMod val="75000"/>
+                  </a:schemeClr>
+                </a:solidFill>
+                <a:latin typeface="Times New Roman" pitchFamily="18" charset="0"/>
+                <a:cs typeface="Times New Roman" pitchFamily="18" charset="0"/>
+              </a:rPr>
               <a:t>cáo</a:t>
             </a:r>
             <a:r>
-              <a:rPr lang="en-US" b="1" dirty="0"/>
+              <a:rPr lang="en-US" sz="4400" b="1" dirty="0">
+                <a:solidFill>
+                  <a:schemeClr val="accent1">
+                    <a:lumMod val="75000"/>
+                  </a:schemeClr>
+                </a:solidFill>
+                <a:latin typeface="Times New Roman" pitchFamily="18" charset="0"/>
+                <a:cs typeface="Times New Roman" pitchFamily="18" charset="0"/>
+              </a:rPr>
               <a:t> </a:t>
             </a:r>
             <a:r>
-              <a:rPr lang="en-US" b="1" dirty="0" err="1"/>
+              <a:rPr lang="en-US" sz="4400" b="1" dirty="0" err="1">
+                <a:solidFill>
+                  <a:schemeClr val="accent1">
+                    <a:lumMod val="75000"/>
+                  </a:schemeClr>
+                </a:solidFill>
+                <a:latin typeface="Times New Roman" pitchFamily="18" charset="0"/>
+                <a:cs typeface="Times New Roman" pitchFamily="18" charset="0"/>
+              </a:rPr>
               <a:t>kết</a:t>
             </a:r>
             <a:r>
-              <a:rPr lang="en-US" b="1" dirty="0"/>
+              <a:rPr lang="en-US" sz="4400" b="1" dirty="0">
+                <a:solidFill>
+                  <a:schemeClr val="accent1">
+                    <a:lumMod val="75000"/>
+                  </a:schemeClr>
+                </a:solidFill>
+                <a:latin typeface="Times New Roman" pitchFamily="18" charset="0"/>
+                <a:cs typeface="Times New Roman" pitchFamily="18" charset="0"/>
+              </a:rPr>
               <a:t> </a:t>
             </a:r>
             <a:r>
-              <a:rPr lang="en-US" b="1" dirty="0" err="1"/>
+              <a:rPr lang="en-US" sz="4400" b="1" dirty="0" err="1">
+                <a:solidFill>
+                  <a:schemeClr val="accent1">
+                    <a:lumMod val="75000"/>
+                  </a:schemeClr>
+                </a:solidFill>
+                <a:latin typeface="Times New Roman" pitchFamily="18" charset="0"/>
+                <a:cs typeface="Times New Roman" pitchFamily="18" charset="0"/>
+              </a:rPr>
               <a:t>thúc</a:t>
             </a:r>
             <a:r>
-              <a:rPr lang="en-US" b="1" dirty="0"/>
+              <a:rPr lang="en-US" sz="4400" b="1" dirty="0">
+                <a:solidFill>
+                  <a:schemeClr val="accent1">
+                    <a:lumMod val="75000"/>
+                  </a:schemeClr>
+                </a:solidFill>
+                <a:latin typeface="Times New Roman" pitchFamily="18" charset="0"/>
+                <a:cs typeface="Times New Roman" pitchFamily="18" charset="0"/>
+              </a:rPr>
               <a:t> </a:t>
             </a:r>
             <a:r>
-              <a:rPr lang="en-US" b="1" dirty="0" err="1"/>
+              <a:rPr lang="en-US" sz="4400" b="1" dirty="0" err="1">
+                <a:solidFill>
+                  <a:schemeClr val="accent1">
+                    <a:lumMod val="75000"/>
+                  </a:schemeClr>
+                </a:solidFill>
+                <a:latin typeface="Times New Roman" pitchFamily="18" charset="0"/>
+                <a:cs typeface="Times New Roman" pitchFamily="18" charset="0"/>
+              </a:rPr>
               <a:t>môn</a:t>
             </a:r>
             <a:r>
-              <a:rPr lang="en-US" b="1" dirty="0"/>
+              <a:rPr lang="en-US" sz="4400" b="1" dirty="0">
+                <a:solidFill>
+                  <a:schemeClr val="accent1">
+                    <a:lumMod val="75000"/>
+                  </a:schemeClr>
+                </a:solidFill>
+                <a:latin typeface="Times New Roman" pitchFamily="18" charset="0"/>
+                <a:cs typeface="Times New Roman" pitchFamily="18" charset="0"/>
+              </a:rPr>
               <a:t> </a:t>
             </a:r>
             <a:r>
-              <a:rPr lang="en-US" b="1" dirty="0" err="1"/>
+              <a:rPr lang="en-US" sz="4400" b="1" dirty="0" err="1">
+                <a:solidFill>
+                  <a:schemeClr val="accent1">
+                    <a:lumMod val="75000"/>
+                  </a:schemeClr>
+                </a:solidFill>
+                <a:latin typeface="Times New Roman" pitchFamily="18" charset="0"/>
+                <a:cs typeface="Times New Roman" pitchFamily="18" charset="0"/>
+              </a:rPr>
               <a:t>học</a:t>
             </a:r>
             <a:r>
-              <a:rPr lang="en-US" dirty="0"/>
+              <a:rPr lang="en-US" sz="4400" dirty="0">
+                <a:solidFill>
+                  <a:schemeClr val="accent1">
+                    <a:lumMod val="75000"/>
+                  </a:schemeClr>
+                </a:solidFill>
+                <a:latin typeface="Times New Roman" pitchFamily="18" charset="0"/>
+                <a:cs typeface="Times New Roman" pitchFamily="18" charset="0"/>
+              </a:rPr>
               <a:t/>
             </a:r>
             <a:br>
-              <a:rPr lang="en-US" dirty="0"/>
+              <a:rPr lang="en-US" sz="4400" dirty="0">
+                <a:solidFill>
+                  <a:schemeClr val="accent1">
+                    <a:lumMod val="75000"/>
+                  </a:schemeClr>
+                </a:solidFill>
+                <a:latin typeface="Times New Roman" pitchFamily="18" charset="0"/>
+                <a:cs typeface="Times New Roman" pitchFamily="18" charset="0"/>
+              </a:rPr>
             </a:br>
             <a:r>
-              <a:rPr lang="en-US" b="1" dirty="0" err="1"/>
+              <a:rPr lang="en-US" sz="4400" b="1" dirty="0" err="1">
+                <a:solidFill>
+                  <a:schemeClr val="accent1">
+                    <a:lumMod val="75000"/>
+                  </a:schemeClr>
+                </a:solidFill>
+                <a:latin typeface="Times New Roman" pitchFamily="18" charset="0"/>
+                <a:cs typeface="Times New Roman" pitchFamily="18" charset="0"/>
+              </a:rPr>
               <a:t>Lập</a:t>
             </a:r>
             <a:r>
-              <a:rPr lang="en-US" b="1" dirty="0"/>
+              <a:rPr lang="en-US" sz="4400" b="1" dirty="0">
+                <a:solidFill>
+                  <a:schemeClr val="accent1">
+                    <a:lumMod val="75000"/>
+                  </a:schemeClr>
+                </a:solidFill>
+                <a:latin typeface="Times New Roman" pitchFamily="18" charset="0"/>
+                <a:cs typeface="Times New Roman" pitchFamily="18" charset="0"/>
+              </a:rPr>
               <a:t> </a:t>
             </a:r>
             <a:r>
-              <a:rPr lang="en-US" b="1" dirty="0" err="1"/>
+              <a:rPr lang="en-US" sz="4400" b="1" dirty="0" err="1">
+                <a:solidFill>
+                  <a:schemeClr val="accent1">
+                    <a:lumMod val="75000"/>
+                  </a:schemeClr>
+                </a:solidFill>
+                <a:latin typeface="Times New Roman" pitchFamily="18" charset="0"/>
+                <a:cs typeface="Times New Roman" pitchFamily="18" charset="0"/>
+              </a:rPr>
               <a:t>trình</a:t>
             </a:r>
             <a:r>
-              <a:rPr lang="en-US" b="1" dirty="0"/>
+              <a:rPr lang="en-US" sz="4400" b="1" dirty="0">
+                <a:solidFill>
+                  <a:schemeClr val="accent1">
+                    <a:lumMod val="75000"/>
+                  </a:schemeClr>
+                </a:solidFill>
+                <a:latin typeface="Times New Roman" pitchFamily="18" charset="0"/>
+                <a:cs typeface="Times New Roman" pitchFamily="18" charset="0"/>
+              </a:rPr>
               <a:t> di </a:t>
             </a:r>
             <a:r>
-              <a:rPr lang="en-US" b="1" dirty="0" err="1"/>
+              <a:rPr lang="en-US" sz="4400" b="1" dirty="0" err="1">
+                <a:solidFill>
+                  <a:schemeClr val="accent1">
+                    <a:lumMod val="75000"/>
+                  </a:schemeClr>
+                </a:solidFill>
+                <a:latin typeface="Times New Roman" pitchFamily="18" charset="0"/>
+                <a:cs typeface="Times New Roman" pitchFamily="18" charset="0"/>
+              </a:rPr>
               <a:t>động</a:t>
             </a:r>
             <a:r>
-              <a:rPr lang="en-US" b="1" dirty="0"/>
+              <a:rPr lang="en-US" sz="4400" b="1" dirty="0">
+                <a:solidFill>
+                  <a:schemeClr val="accent1">
+                    <a:lumMod val="75000"/>
+                  </a:schemeClr>
+                </a:solidFill>
+                <a:latin typeface="Times New Roman" pitchFamily="18" charset="0"/>
+                <a:cs typeface="Times New Roman" pitchFamily="18" charset="0"/>
+              </a:rPr>
               <a:t> 2</a:t>
             </a:r>
             <a:r>
-              <a:rPr lang="en-US" dirty="0"/>
+              <a:rPr lang="en-US" sz="4400" dirty="0">
+                <a:latin typeface="Times New Roman" pitchFamily="18" charset="0"/>
+                <a:cs typeface="Times New Roman" pitchFamily="18" charset="0"/>
+              </a:rPr>
               <a:t/>
             </a:r>
             <a:br>
-              <a:rPr lang="en-US" dirty="0"/>
+              <a:rPr lang="en-US" sz="4400" dirty="0">
+                <a:latin typeface="Times New Roman" pitchFamily="18" charset="0"/>
+                <a:cs typeface="Times New Roman" pitchFamily="18" charset="0"/>
+              </a:rPr>
             </a:br>
             <a:r>
-              <a:rPr lang="en-US" dirty="0"/>
+              <a:rPr lang="en-US" sz="4400" dirty="0">
+                <a:latin typeface="Times New Roman" pitchFamily="18" charset="0"/>
+                <a:cs typeface="Times New Roman" pitchFamily="18" charset="0"/>
+              </a:rPr>
               <a:t> </a:t>
             </a:r>
             <a:br>
-              <a:rPr lang="en-US" dirty="0"/>
+              <a:rPr lang="en-US" sz="4400" dirty="0">
+                <a:latin typeface="Times New Roman" pitchFamily="18" charset="0"/>
+                <a:cs typeface="Times New Roman" pitchFamily="18" charset="0"/>
+              </a:rPr>
             </a:br>
             <a:r>
-              <a:rPr lang="en-US" b="1" dirty="0" err="1"/>
+              <a:rPr lang="en-US" sz="4400" b="1" dirty="0" err="1">
+                <a:solidFill>
+                  <a:schemeClr val="accent3">
+                    <a:lumMod val="75000"/>
+                  </a:schemeClr>
+                </a:solidFill>
+                <a:latin typeface="Times New Roman" pitchFamily="18" charset="0"/>
+                <a:cs typeface="Times New Roman" pitchFamily="18" charset="0"/>
+              </a:rPr>
               <a:t>Xây</a:t>
             </a:r>
             <a:r>
-              <a:rPr lang="en-US" b="1" dirty="0"/>
+              <a:rPr lang="en-US" sz="4400" b="1" dirty="0">
+                <a:solidFill>
+                  <a:schemeClr val="accent3">
+                    <a:lumMod val="75000"/>
+                  </a:schemeClr>
+                </a:solidFill>
+                <a:latin typeface="Times New Roman" pitchFamily="18" charset="0"/>
+                <a:cs typeface="Times New Roman" pitchFamily="18" charset="0"/>
+              </a:rPr>
               <a:t> </a:t>
             </a:r>
             <a:r>
-              <a:rPr lang="en-US" b="1" dirty="0" err="1"/>
+              <a:rPr lang="en-US" sz="4400" b="1" dirty="0" err="1">
+                <a:solidFill>
+                  <a:schemeClr val="accent3">
+                    <a:lumMod val="75000"/>
+                  </a:schemeClr>
+                </a:solidFill>
+                <a:latin typeface="Times New Roman" pitchFamily="18" charset="0"/>
+                <a:cs typeface="Times New Roman" pitchFamily="18" charset="0"/>
+              </a:rPr>
               <a:t>dựng</a:t>
             </a:r>
             <a:r>
-              <a:rPr lang="en-US" b="1" dirty="0"/>
+              <a:rPr lang="en-US" sz="4400" b="1" dirty="0">
+                <a:solidFill>
+                  <a:schemeClr val="accent3">
+                    <a:lumMod val="75000"/>
+                  </a:schemeClr>
+                </a:solidFill>
+                <a:latin typeface="Times New Roman" pitchFamily="18" charset="0"/>
+                <a:cs typeface="Times New Roman" pitchFamily="18" charset="0"/>
+              </a:rPr>
               <a:t> </a:t>
             </a:r>
             <a:r>
-              <a:rPr lang="en-US" b="1" dirty="0" err="1"/>
+              <a:rPr lang="en-US" sz="4400" b="1" dirty="0" err="1">
+                <a:solidFill>
+                  <a:schemeClr val="accent3">
+                    <a:lumMod val="75000"/>
+                  </a:schemeClr>
+                </a:solidFill>
+                <a:latin typeface="Times New Roman" pitchFamily="18" charset="0"/>
+                <a:cs typeface="Times New Roman" pitchFamily="18" charset="0"/>
+              </a:rPr>
               <a:t>ứng</a:t>
             </a:r>
             <a:r>
-              <a:rPr lang="en-US" b="1" dirty="0"/>
+              <a:rPr lang="en-US" sz="4400" b="1" dirty="0">
+                <a:solidFill>
+                  <a:schemeClr val="accent3">
+                    <a:lumMod val="75000"/>
+                  </a:schemeClr>
+                </a:solidFill>
+                <a:latin typeface="Times New Roman" pitchFamily="18" charset="0"/>
+                <a:cs typeface="Times New Roman" pitchFamily="18" charset="0"/>
+              </a:rPr>
               <a:t> </a:t>
             </a:r>
             <a:r>
-              <a:rPr lang="en-US" b="1" dirty="0" err="1"/>
+              <a:rPr lang="en-US" sz="4400" b="1" dirty="0" err="1">
+                <a:solidFill>
+                  <a:schemeClr val="accent3">
+                    <a:lumMod val="75000"/>
+                  </a:schemeClr>
+                </a:solidFill>
+                <a:latin typeface="Times New Roman" pitchFamily="18" charset="0"/>
+                <a:cs typeface="Times New Roman" pitchFamily="18" charset="0"/>
+              </a:rPr>
               <a:t>dụng</a:t>
             </a:r>
             <a:r>
-              <a:rPr lang="en-US" b="1" dirty="0"/>
+              <a:rPr lang="en-US" sz="4400" b="1" dirty="0">
+                <a:solidFill>
+                  <a:schemeClr val="accent3">
+                    <a:lumMod val="75000"/>
+                  </a:schemeClr>
+                </a:solidFill>
+                <a:latin typeface="Times New Roman" pitchFamily="18" charset="0"/>
+                <a:cs typeface="Times New Roman" pitchFamily="18" charset="0"/>
+              </a:rPr>
               <a:t> “</a:t>
             </a:r>
             <a:r>
-              <a:rPr lang="en-US" b="1" dirty="0" err="1"/>
+              <a:rPr lang="en-US" sz="4400" b="1" dirty="0" err="1">
+                <a:solidFill>
+                  <a:schemeClr val="accent3">
+                    <a:lumMod val="75000"/>
+                  </a:schemeClr>
+                </a:solidFill>
+                <a:latin typeface="Times New Roman" pitchFamily="18" charset="0"/>
+                <a:cs typeface="Times New Roman" pitchFamily="18" charset="0"/>
+              </a:rPr>
               <a:t>Cấp</a:t>
             </a:r>
             <a:r>
-              <a:rPr lang="en-US" b="1" dirty="0"/>
+              <a:rPr lang="en-US" sz="4400" b="1" dirty="0">
+                <a:solidFill>
+                  <a:schemeClr val="accent3">
+                    <a:lumMod val="75000"/>
+                  </a:schemeClr>
+                </a:solidFill>
+                <a:latin typeface="Times New Roman" pitchFamily="18" charset="0"/>
+                <a:cs typeface="Times New Roman" pitchFamily="18" charset="0"/>
+              </a:rPr>
               <a:t> </a:t>
             </a:r>
             <a:r>
-              <a:rPr lang="en-US" b="1" dirty="0" err="1"/>
+              <a:rPr lang="en-US" sz="4400" b="1" dirty="0" err="1">
+                <a:solidFill>
+                  <a:schemeClr val="accent3">
+                    <a:lumMod val="75000"/>
+                  </a:schemeClr>
+                </a:solidFill>
+                <a:latin typeface="Times New Roman" pitchFamily="18" charset="0"/>
+                <a:cs typeface="Times New Roman" pitchFamily="18" charset="0"/>
+              </a:rPr>
               <a:t>phát</a:t>
             </a:r>
             <a:r>
-              <a:rPr lang="en-US" b="1" dirty="0"/>
+              <a:rPr lang="en-US" sz="4400" b="1" dirty="0">
+                <a:solidFill>
+                  <a:schemeClr val="accent3">
+                    <a:lumMod val="75000"/>
+                  </a:schemeClr>
+                </a:solidFill>
+                <a:latin typeface="Times New Roman" pitchFamily="18" charset="0"/>
+                <a:cs typeface="Times New Roman" pitchFamily="18" charset="0"/>
+              </a:rPr>
               <a:t> </a:t>
             </a:r>
             <a:r>
-              <a:rPr lang="en-US" b="1" dirty="0" err="1"/>
+              <a:rPr lang="en-US" sz="4400" b="1" dirty="0" err="1">
+                <a:solidFill>
+                  <a:schemeClr val="accent3">
+                    <a:lumMod val="75000"/>
+                  </a:schemeClr>
+                </a:solidFill>
+                <a:latin typeface="Times New Roman" pitchFamily="18" charset="0"/>
+                <a:cs typeface="Times New Roman" pitchFamily="18" charset="0"/>
+              </a:rPr>
               <a:t>văn</a:t>
             </a:r>
             <a:r>
-              <a:rPr lang="en-US" b="1" dirty="0"/>
+              <a:rPr lang="en-US" sz="4400" b="1" dirty="0">
+                <a:solidFill>
+                  <a:schemeClr val="accent3">
+                    <a:lumMod val="75000"/>
+                  </a:schemeClr>
+                </a:solidFill>
+                <a:latin typeface="Times New Roman" pitchFamily="18" charset="0"/>
+                <a:cs typeface="Times New Roman" pitchFamily="18" charset="0"/>
+              </a:rPr>
               <a:t> </a:t>
             </a:r>
             <a:r>
-              <a:rPr lang="en-US" b="1" dirty="0" err="1"/>
+              <a:rPr lang="en-US" sz="4400" b="1" dirty="0" err="1">
+                <a:solidFill>
+                  <a:schemeClr val="accent3">
+                    <a:lumMod val="75000"/>
+                  </a:schemeClr>
+                </a:solidFill>
+                <a:latin typeface="Times New Roman" pitchFamily="18" charset="0"/>
+                <a:cs typeface="Times New Roman" pitchFamily="18" charset="0"/>
+              </a:rPr>
               <a:t>phòng</a:t>
             </a:r>
             <a:r>
-              <a:rPr lang="en-US" b="1" dirty="0"/>
+              <a:rPr lang="en-US" sz="4400" b="1" dirty="0">
+                <a:solidFill>
+                  <a:schemeClr val="accent3">
+                    <a:lumMod val="75000"/>
+                  </a:schemeClr>
+                </a:solidFill>
+                <a:latin typeface="Times New Roman" pitchFamily="18" charset="0"/>
+                <a:cs typeface="Times New Roman" pitchFamily="18" charset="0"/>
+              </a:rPr>
               <a:t> </a:t>
             </a:r>
             <a:r>
-              <a:rPr lang="en-US" b="1" dirty="0" err="1"/>
+              <a:rPr lang="en-US" sz="4400" b="1" dirty="0" err="1">
+                <a:solidFill>
+                  <a:schemeClr val="accent3">
+                    <a:lumMod val="75000"/>
+                  </a:schemeClr>
+                </a:solidFill>
+                <a:latin typeface="Times New Roman" pitchFamily="18" charset="0"/>
+                <a:cs typeface="Times New Roman" pitchFamily="18" charset="0"/>
+              </a:rPr>
               <a:t>phẩm</a:t>
             </a:r>
             <a:r>
-              <a:rPr lang="en-US" b="1" dirty="0"/>
+              <a:rPr lang="en-US" sz="4400" b="1" dirty="0">
+                <a:solidFill>
+                  <a:schemeClr val="accent3">
+                    <a:lumMod val="75000"/>
+                  </a:schemeClr>
+                </a:solidFill>
+                <a:latin typeface="Times New Roman" pitchFamily="18" charset="0"/>
+                <a:cs typeface="Times New Roman" pitchFamily="18" charset="0"/>
+              </a:rPr>
               <a:t>”</a:t>
             </a:r>
             <a:r>
-              <a:rPr lang="en-US" dirty="0"/>
+              <a:rPr lang="en-US" sz="4400" dirty="0">
+                <a:solidFill>
+                  <a:schemeClr val="accent3">
+                    <a:lumMod val="75000"/>
+                  </a:schemeClr>
+                </a:solidFill>
+                <a:latin typeface="Times New Roman" pitchFamily="18" charset="0"/>
+                <a:cs typeface="Times New Roman" pitchFamily="18" charset="0"/>
+              </a:rPr>
               <a:t/>
             </a:r>
             <a:br>
-              <a:rPr lang="en-US" dirty="0"/>
+              <a:rPr lang="en-US" sz="4400" dirty="0">
+                <a:solidFill>
+                  <a:schemeClr val="accent3">
+                    <a:lumMod val="75000"/>
+                  </a:schemeClr>
+                </a:solidFill>
+                <a:latin typeface="Times New Roman" pitchFamily="18" charset="0"/>
+                <a:cs typeface="Times New Roman" pitchFamily="18" charset="0"/>
+              </a:rPr>
             </a:br>
-            <a:endParaRPr lang="en-US" dirty="0"/>
+            <a:endParaRPr lang="en-US" sz="4400" dirty="0">
+              <a:solidFill>
+                <a:schemeClr val="accent3">
+                  <a:lumMod val="75000"/>
+                </a:schemeClr>
+              </a:solidFill>
+              <a:latin typeface="Times New Roman" pitchFamily="18" charset="0"/>
+              <a:cs typeface="Times New Roman" pitchFamily="18" charset="0"/>
+            </a:endParaRPr>
           </a:p>
         </p:txBody>
       </p:sp>
@@ -3779,94 +4247,163 @@
               <a:buNone/>
             </a:pPr>
             <a:r>
-              <a:rPr lang="en-US" b="1" dirty="0" err="1"/>
+              <a:rPr lang="en-US" b="1" dirty="0" err="1">
+                <a:latin typeface="Times New Roman" pitchFamily="18" charset="0"/>
+                <a:cs typeface="Times New Roman" pitchFamily="18" charset="0"/>
+              </a:rPr>
               <a:t>Sinh</a:t>
             </a:r>
             <a:r>
-              <a:rPr lang="en-US" b="1" dirty="0"/>
+              <a:rPr lang="en-US" b="1" dirty="0">
+                <a:latin typeface="Times New Roman" pitchFamily="18" charset="0"/>
+                <a:cs typeface="Times New Roman" pitchFamily="18" charset="0"/>
+              </a:rPr>
               <a:t> </a:t>
             </a:r>
             <a:r>
-              <a:rPr lang="en-US" b="1" dirty="0" err="1"/>
+              <a:rPr lang="en-US" b="1" dirty="0" err="1">
+                <a:latin typeface="Times New Roman" pitchFamily="18" charset="0"/>
+                <a:cs typeface="Times New Roman" pitchFamily="18" charset="0"/>
+              </a:rPr>
               <a:t>viên</a:t>
             </a:r>
             <a:r>
-              <a:rPr lang="en-US" b="1" dirty="0"/>
+              <a:rPr lang="en-US" b="1" dirty="0">
+                <a:latin typeface="Times New Roman" pitchFamily="18" charset="0"/>
+                <a:cs typeface="Times New Roman" pitchFamily="18" charset="0"/>
+              </a:rPr>
               <a:t> </a:t>
             </a:r>
             <a:r>
-              <a:rPr lang="en-US" b="1" dirty="0" err="1"/>
+              <a:rPr lang="en-US" b="1" dirty="0" err="1">
+                <a:latin typeface="Times New Roman" pitchFamily="18" charset="0"/>
+                <a:cs typeface="Times New Roman" pitchFamily="18" charset="0"/>
+              </a:rPr>
               <a:t>thực</a:t>
             </a:r>
             <a:r>
-              <a:rPr lang="en-US" b="1" dirty="0"/>
+              <a:rPr lang="en-US" b="1" dirty="0">
+                <a:latin typeface="Times New Roman" pitchFamily="18" charset="0"/>
+                <a:cs typeface="Times New Roman" pitchFamily="18" charset="0"/>
+              </a:rPr>
               <a:t> </a:t>
             </a:r>
             <a:r>
-              <a:rPr lang="en-US" b="1" dirty="0" err="1"/>
+              <a:rPr lang="en-US" b="1" dirty="0" err="1">
+                <a:latin typeface="Times New Roman" pitchFamily="18" charset="0"/>
+                <a:cs typeface="Times New Roman" pitchFamily="18" charset="0"/>
+              </a:rPr>
               <a:t>hiện</a:t>
             </a:r>
             <a:r>
-              <a:rPr lang="en-US" b="1" dirty="0"/>
+              <a:rPr lang="en-US" b="1" dirty="0">
+                <a:latin typeface="Times New Roman" pitchFamily="18" charset="0"/>
+                <a:cs typeface="Times New Roman" pitchFamily="18" charset="0"/>
+              </a:rPr>
               <a:t> : </a:t>
             </a:r>
             <a:r>
-              <a:rPr lang="en-US" b="1" dirty="0" err="1"/>
+              <a:rPr lang="en-US" b="1" dirty="0" err="1">
+                <a:latin typeface="Times New Roman" pitchFamily="18" charset="0"/>
+                <a:cs typeface="Times New Roman" pitchFamily="18" charset="0"/>
+              </a:rPr>
               <a:t>Nhóm</a:t>
             </a:r>
             <a:r>
-              <a:rPr lang="en-US" b="1" dirty="0"/>
+              <a:rPr lang="en-US" b="1" dirty="0">
+                <a:latin typeface="Times New Roman" pitchFamily="18" charset="0"/>
+                <a:cs typeface="Times New Roman" pitchFamily="18" charset="0"/>
+              </a:rPr>
               <a:t> 25</a:t>
             </a:r>
-            <a:endParaRPr lang="en-US" dirty="0"/>
+            <a:endParaRPr lang="en-US" dirty="0">
+              <a:latin typeface="Times New Roman" pitchFamily="18" charset="0"/>
+              <a:cs typeface="Times New Roman" pitchFamily="18" charset="0"/>
+            </a:endParaRPr>
           </a:p>
           <a:p>
             <a:pPr lvl="0"/>
             <a:r>
-              <a:rPr lang="en-US" b="1" dirty="0" err="1"/>
+              <a:rPr lang="en-US" sz="2400" b="1" dirty="0" err="1">
+                <a:latin typeface="Times New Roman" pitchFamily="18" charset="0"/>
+                <a:cs typeface="Times New Roman" pitchFamily="18" charset="0"/>
+              </a:rPr>
               <a:t>Nguyễn</a:t>
             </a:r>
             <a:r>
-              <a:rPr lang="en-US" b="1" dirty="0"/>
+              <a:rPr lang="en-US" sz="2400" b="1" dirty="0">
+                <a:latin typeface="Times New Roman" pitchFamily="18" charset="0"/>
+                <a:cs typeface="Times New Roman" pitchFamily="18" charset="0"/>
+              </a:rPr>
               <a:t> </a:t>
             </a:r>
             <a:r>
-              <a:rPr lang="en-US" b="1" dirty="0" err="1"/>
+              <a:rPr lang="en-US" sz="2400" b="1" dirty="0" err="1">
+                <a:latin typeface="Times New Roman" pitchFamily="18" charset="0"/>
+                <a:cs typeface="Times New Roman" pitchFamily="18" charset="0"/>
+              </a:rPr>
               <a:t>Thanh</a:t>
             </a:r>
             <a:r>
-              <a:rPr lang="en-US" b="1" dirty="0"/>
+              <a:rPr lang="en-US" sz="2400" b="1" dirty="0">
+                <a:latin typeface="Times New Roman" pitchFamily="18" charset="0"/>
+                <a:cs typeface="Times New Roman" pitchFamily="18" charset="0"/>
+              </a:rPr>
               <a:t> </a:t>
             </a:r>
             <a:r>
-              <a:rPr lang="en-US" b="1" dirty="0" err="1"/>
+              <a:rPr lang="en-US" sz="2400" b="1" dirty="0" err="1">
+                <a:latin typeface="Times New Roman" pitchFamily="18" charset="0"/>
+                <a:cs typeface="Times New Roman" pitchFamily="18" charset="0"/>
+              </a:rPr>
               <a:t>Thiện</a:t>
             </a:r>
-            <a:endParaRPr lang="en-US" dirty="0"/>
+            <a:endParaRPr lang="en-US" sz="2400" dirty="0">
+              <a:latin typeface="Times New Roman" pitchFamily="18" charset="0"/>
+              <a:cs typeface="Times New Roman" pitchFamily="18" charset="0"/>
+            </a:endParaRPr>
           </a:p>
           <a:p>
             <a:pPr lvl="0"/>
             <a:r>
-              <a:rPr lang="en-US" b="1" dirty="0" err="1"/>
+              <a:rPr lang="en-US" sz="2400" b="1" dirty="0" err="1">
+                <a:latin typeface="Times New Roman" pitchFamily="18" charset="0"/>
+                <a:cs typeface="Times New Roman" pitchFamily="18" charset="0"/>
+              </a:rPr>
               <a:t>Phạm</a:t>
             </a:r>
             <a:r>
-              <a:rPr lang="en-US" b="1" dirty="0"/>
+              <a:rPr lang="en-US" sz="2400" b="1" dirty="0">
+                <a:latin typeface="Times New Roman" pitchFamily="18" charset="0"/>
+                <a:cs typeface="Times New Roman" pitchFamily="18" charset="0"/>
+              </a:rPr>
               <a:t> </a:t>
             </a:r>
             <a:r>
-              <a:rPr lang="en-US" b="1" dirty="0" err="1"/>
+              <a:rPr lang="en-US" sz="2400" b="1" dirty="0" err="1">
+                <a:latin typeface="Times New Roman" pitchFamily="18" charset="0"/>
+                <a:cs typeface="Times New Roman" pitchFamily="18" charset="0"/>
+              </a:rPr>
               <a:t>Tuấn</a:t>
             </a:r>
             <a:r>
-              <a:rPr lang="en-US" b="1" dirty="0"/>
+              <a:rPr lang="en-US" sz="2400" b="1" dirty="0">
+                <a:latin typeface="Times New Roman" pitchFamily="18" charset="0"/>
+                <a:cs typeface="Times New Roman" pitchFamily="18" charset="0"/>
+              </a:rPr>
               <a:t> </a:t>
             </a:r>
             <a:r>
-              <a:rPr lang="en-US" b="1" dirty="0" err="1" smtClean="0"/>
+              <a:rPr lang="en-US" sz="2400" b="1" dirty="0" err="1" smtClean="0">
+                <a:latin typeface="Times New Roman" pitchFamily="18" charset="0"/>
+                <a:cs typeface="Times New Roman" pitchFamily="18" charset="0"/>
+              </a:rPr>
               <a:t>Hưng</a:t>
             </a:r>
-            <a:endParaRPr lang="en-US" dirty="0"/>
+            <a:endParaRPr lang="en-US" sz="2400" dirty="0">
+              <a:latin typeface="Times New Roman" pitchFamily="18" charset="0"/>
+              <a:cs typeface="Times New Roman" pitchFamily="18" charset="0"/>
+            </a:endParaRPr>
           </a:p>
         </p:txBody>
       </p:sp>
@@ -3937,248 +4474,434 @@
           <a:lstStyle/>
           <a:p>
             <a:r>
-              <a:rPr lang="en-US" dirty="0" err="1" smtClean="0"/>
+              <a:rPr lang="en-US" dirty="0" err="1" smtClean="0">
+                <a:latin typeface="Times New Roman" pitchFamily="18" charset="0"/>
+                <a:cs typeface="Times New Roman" pitchFamily="18" charset="0"/>
+              </a:rPr>
               <a:t>Tên</a:t>
             </a:r>
             <a:r>
-              <a:rPr lang="en-US" dirty="0" smtClean="0"/>
+              <a:rPr lang="en-US" dirty="0" smtClean="0">
+                <a:latin typeface="Times New Roman" pitchFamily="18" charset="0"/>
+                <a:cs typeface="Times New Roman" pitchFamily="18" charset="0"/>
+              </a:rPr>
               <a:t> </a:t>
             </a:r>
             <a:r>
-              <a:rPr lang="en-US" dirty="0" err="1"/>
+              <a:rPr lang="en-US" dirty="0" err="1">
+                <a:latin typeface="Times New Roman" pitchFamily="18" charset="0"/>
+                <a:cs typeface="Times New Roman" pitchFamily="18" charset="0"/>
+              </a:rPr>
               <a:t>ứng</a:t>
             </a:r>
             <a:r>
-              <a:rPr lang="en-US" dirty="0"/>
+              <a:rPr lang="en-US" dirty="0">
+                <a:latin typeface="Times New Roman" pitchFamily="18" charset="0"/>
+                <a:cs typeface="Times New Roman" pitchFamily="18" charset="0"/>
+              </a:rPr>
               <a:t> </a:t>
             </a:r>
             <a:r>
-              <a:rPr lang="en-US" dirty="0" err="1"/>
+              <a:rPr lang="en-US" dirty="0" err="1">
+                <a:latin typeface="Times New Roman" pitchFamily="18" charset="0"/>
+                <a:cs typeface="Times New Roman" pitchFamily="18" charset="0"/>
+              </a:rPr>
               <a:t>dụng</a:t>
             </a:r>
             <a:r>
-              <a:rPr lang="en-US" dirty="0"/>
+              <a:rPr lang="en-US" dirty="0">
+                <a:latin typeface="Times New Roman" pitchFamily="18" charset="0"/>
+                <a:cs typeface="Times New Roman" pitchFamily="18" charset="0"/>
+              </a:rPr>
               <a:t> : </a:t>
             </a:r>
             <a:r>
-              <a:rPr lang="en-US" dirty="0" err="1"/>
+              <a:rPr lang="en-US" dirty="0" err="1">
+                <a:latin typeface="Times New Roman" pitchFamily="18" charset="0"/>
+                <a:cs typeface="Times New Roman" pitchFamily="18" charset="0"/>
+              </a:rPr>
               <a:t>Cấp</a:t>
             </a:r>
             <a:r>
-              <a:rPr lang="en-US" dirty="0"/>
+              <a:rPr lang="en-US" dirty="0">
+                <a:latin typeface="Times New Roman" pitchFamily="18" charset="0"/>
+                <a:cs typeface="Times New Roman" pitchFamily="18" charset="0"/>
+              </a:rPr>
               <a:t> </a:t>
             </a:r>
             <a:r>
-              <a:rPr lang="en-US" dirty="0" err="1"/>
+              <a:rPr lang="en-US" dirty="0" err="1">
+                <a:latin typeface="Times New Roman" pitchFamily="18" charset="0"/>
+                <a:cs typeface="Times New Roman" pitchFamily="18" charset="0"/>
+              </a:rPr>
               <a:t>phát</a:t>
             </a:r>
             <a:r>
-              <a:rPr lang="en-US" dirty="0"/>
+              <a:rPr lang="en-US" dirty="0">
+                <a:latin typeface="Times New Roman" pitchFamily="18" charset="0"/>
+                <a:cs typeface="Times New Roman" pitchFamily="18" charset="0"/>
+              </a:rPr>
               <a:t> </a:t>
             </a:r>
             <a:r>
-              <a:rPr lang="en-US" dirty="0" err="1"/>
+              <a:rPr lang="en-US" dirty="0" err="1">
+                <a:latin typeface="Times New Roman" pitchFamily="18" charset="0"/>
+                <a:cs typeface="Times New Roman" pitchFamily="18" charset="0"/>
+              </a:rPr>
               <a:t>văn</a:t>
             </a:r>
             <a:r>
-              <a:rPr lang="en-US" dirty="0"/>
+              <a:rPr lang="en-US" dirty="0">
+                <a:latin typeface="Times New Roman" pitchFamily="18" charset="0"/>
+                <a:cs typeface="Times New Roman" pitchFamily="18" charset="0"/>
+              </a:rPr>
               <a:t> </a:t>
             </a:r>
             <a:r>
-              <a:rPr lang="en-US" dirty="0" err="1"/>
+              <a:rPr lang="en-US" dirty="0" err="1">
+                <a:latin typeface="Times New Roman" pitchFamily="18" charset="0"/>
+                <a:cs typeface="Times New Roman" pitchFamily="18" charset="0"/>
+              </a:rPr>
               <a:t>phòng</a:t>
             </a:r>
             <a:r>
-              <a:rPr lang="en-US" dirty="0"/>
+              <a:rPr lang="en-US" dirty="0">
+                <a:latin typeface="Times New Roman" pitchFamily="18" charset="0"/>
+                <a:cs typeface="Times New Roman" pitchFamily="18" charset="0"/>
+              </a:rPr>
               <a:t> </a:t>
             </a:r>
             <a:r>
-              <a:rPr lang="en-US" dirty="0" err="1"/>
+              <a:rPr lang="en-US" dirty="0" err="1">
+                <a:latin typeface="Times New Roman" pitchFamily="18" charset="0"/>
+                <a:cs typeface="Times New Roman" pitchFamily="18" charset="0"/>
+              </a:rPr>
               <a:t>phẩm</a:t>
             </a:r>
-            <a:endParaRPr lang="en-US" dirty="0"/>
-          </a:p>
-          <a:p>
-            <a:r>
-              <a:rPr lang="en-US" dirty="0" err="1" smtClean="0"/>
+            <a:endParaRPr lang="en-US" dirty="0">
+              <a:latin typeface="Times New Roman" pitchFamily="18" charset="0"/>
+              <a:cs typeface="Times New Roman" pitchFamily="18" charset="0"/>
+            </a:endParaRPr>
+          </a:p>
+          <a:p>
+            <a:r>
+              <a:rPr lang="en-US" dirty="0" err="1" smtClean="0">
+                <a:latin typeface="Times New Roman" pitchFamily="18" charset="0"/>
+                <a:cs typeface="Times New Roman" pitchFamily="18" charset="0"/>
+              </a:rPr>
               <a:t>Cập</a:t>
             </a:r>
             <a:r>
-              <a:rPr lang="en-US" dirty="0" smtClean="0"/>
+              <a:rPr lang="en-US" dirty="0" smtClean="0">
+                <a:latin typeface="Times New Roman" pitchFamily="18" charset="0"/>
+                <a:cs typeface="Times New Roman" pitchFamily="18" charset="0"/>
+              </a:rPr>
               <a:t> </a:t>
             </a:r>
             <a:r>
-              <a:rPr lang="en-US" dirty="0" err="1"/>
+              <a:rPr lang="en-US" dirty="0" err="1">
+                <a:latin typeface="Times New Roman" pitchFamily="18" charset="0"/>
+                <a:cs typeface="Times New Roman" pitchFamily="18" charset="0"/>
+              </a:rPr>
               <a:t>nhật</a:t>
             </a:r>
             <a:r>
-              <a:rPr lang="en-US" dirty="0"/>
+              <a:rPr lang="en-US" dirty="0">
+                <a:latin typeface="Times New Roman" pitchFamily="18" charset="0"/>
+                <a:cs typeface="Times New Roman" pitchFamily="18" charset="0"/>
+              </a:rPr>
               <a:t> , </a:t>
             </a:r>
             <a:r>
-              <a:rPr lang="en-US" dirty="0" err="1"/>
+              <a:rPr lang="en-US" dirty="0" err="1">
+                <a:latin typeface="Times New Roman" pitchFamily="18" charset="0"/>
+                <a:cs typeface="Times New Roman" pitchFamily="18" charset="0"/>
+              </a:rPr>
               <a:t>tìm</a:t>
             </a:r>
             <a:r>
-              <a:rPr lang="en-US" dirty="0"/>
+              <a:rPr lang="en-US" dirty="0">
+                <a:latin typeface="Times New Roman" pitchFamily="18" charset="0"/>
+                <a:cs typeface="Times New Roman" pitchFamily="18" charset="0"/>
+              </a:rPr>
               <a:t> </a:t>
             </a:r>
             <a:r>
-              <a:rPr lang="en-US" dirty="0" err="1"/>
+              <a:rPr lang="en-US" dirty="0" err="1">
+                <a:latin typeface="Times New Roman" pitchFamily="18" charset="0"/>
+                <a:cs typeface="Times New Roman" pitchFamily="18" charset="0"/>
+              </a:rPr>
               <a:t>kiếm</a:t>
             </a:r>
             <a:r>
-              <a:rPr lang="en-US" dirty="0"/>
+              <a:rPr lang="en-US" dirty="0">
+                <a:latin typeface="Times New Roman" pitchFamily="18" charset="0"/>
+                <a:cs typeface="Times New Roman" pitchFamily="18" charset="0"/>
+              </a:rPr>
               <a:t> , </a:t>
             </a:r>
             <a:r>
-              <a:rPr lang="en-US" dirty="0" err="1"/>
+              <a:rPr lang="en-US" dirty="0" err="1">
+                <a:latin typeface="Times New Roman" pitchFamily="18" charset="0"/>
+                <a:cs typeface="Times New Roman" pitchFamily="18" charset="0"/>
+              </a:rPr>
               <a:t>xem</a:t>
             </a:r>
             <a:r>
-              <a:rPr lang="en-US" dirty="0"/>
+              <a:rPr lang="en-US" dirty="0">
+                <a:latin typeface="Times New Roman" pitchFamily="18" charset="0"/>
+                <a:cs typeface="Times New Roman" pitchFamily="18" charset="0"/>
+              </a:rPr>
               <a:t> , </a:t>
             </a:r>
             <a:r>
-              <a:rPr lang="en-US" dirty="0" err="1"/>
+              <a:rPr lang="en-US" dirty="0" err="1">
+                <a:latin typeface="Times New Roman" pitchFamily="18" charset="0"/>
+                <a:cs typeface="Times New Roman" pitchFamily="18" charset="0"/>
+              </a:rPr>
               <a:t>hiện</a:t>
             </a:r>
             <a:r>
-              <a:rPr lang="en-US" dirty="0"/>
+              <a:rPr lang="en-US" dirty="0">
+                <a:latin typeface="Times New Roman" pitchFamily="18" charset="0"/>
+                <a:cs typeface="Times New Roman" pitchFamily="18" charset="0"/>
+              </a:rPr>
               <a:t> </a:t>
             </a:r>
             <a:r>
-              <a:rPr lang="en-US" dirty="0" err="1"/>
+              <a:rPr lang="en-US" dirty="0" err="1">
+                <a:latin typeface="Times New Roman" pitchFamily="18" charset="0"/>
+                <a:cs typeface="Times New Roman" pitchFamily="18" charset="0"/>
+              </a:rPr>
               <a:t>thị</a:t>
             </a:r>
             <a:r>
-              <a:rPr lang="en-US" dirty="0"/>
+              <a:rPr lang="en-US" dirty="0">
+                <a:latin typeface="Times New Roman" pitchFamily="18" charset="0"/>
+                <a:cs typeface="Times New Roman" pitchFamily="18" charset="0"/>
+              </a:rPr>
               <a:t> </a:t>
             </a:r>
             <a:r>
-              <a:rPr lang="en-US" dirty="0" err="1"/>
+              <a:rPr lang="en-US" dirty="0" err="1">
+                <a:latin typeface="Times New Roman" pitchFamily="18" charset="0"/>
+                <a:cs typeface="Times New Roman" pitchFamily="18" charset="0"/>
+              </a:rPr>
               <a:t>văn</a:t>
             </a:r>
             <a:r>
-              <a:rPr lang="en-US" dirty="0"/>
+              <a:rPr lang="en-US" dirty="0">
+                <a:latin typeface="Times New Roman" pitchFamily="18" charset="0"/>
+                <a:cs typeface="Times New Roman" pitchFamily="18" charset="0"/>
+              </a:rPr>
               <a:t> </a:t>
             </a:r>
             <a:r>
-              <a:rPr lang="en-US" dirty="0" err="1"/>
+              <a:rPr lang="en-US" dirty="0" err="1">
+                <a:latin typeface="Times New Roman" pitchFamily="18" charset="0"/>
+                <a:cs typeface="Times New Roman" pitchFamily="18" charset="0"/>
+              </a:rPr>
               <a:t>phòng</a:t>
             </a:r>
             <a:r>
-              <a:rPr lang="en-US" dirty="0"/>
+              <a:rPr lang="en-US" dirty="0">
+                <a:latin typeface="Times New Roman" pitchFamily="18" charset="0"/>
+                <a:cs typeface="Times New Roman" pitchFamily="18" charset="0"/>
+              </a:rPr>
               <a:t> </a:t>
             </a:r>
             <a:r>
-              <a:rPr lang="en-US" dirty="0" err="1"/>
+              <a:rPr lang="en-US" dirty="0" err="1">
+                <a:latin typeface="Times New Roman" pitchFamily="18" charset="0"/>
+                <a:cs typeface="Times New Roman" pitchFamily="18" charset="0"/>
+              </a:rPr>
               <a:t>phầm</a:t>
             </a:r>
             <a:r>
-              <a:rPr lang="en-US" dirty="0"/>
+              <a:rPr lang="en-US" dirty="0">
+                <a:latin typeface="Times New Roman" pitchFamily="18" charset="0"/>
+                <a:cs typeface="Times New Roman" pitchFamily="18" charset="0"/>
+              </a:rPr>
               <a:t> , </a:t>
             </a:r>
             <a:r>
-              <a:rPr lang="en-US" dirty="0" err="1"/>
+              <a:rPr lang="en-US" dirty="0" err="1">
+                <a:latin typeface="Times New Roman" pitchFamily="18" charset="0"/>
+                <a:cs typeface="Times New Roman" pitchFamily="18" charset="0"/>
+              </a:rPr>
               <a:t>phòng</a:t>
             </a:r>
             <a:r>
-              <a:rPr lang="en-US" dirty="0"/>
+              <a:rPr lang="en-US" dirty="0">
+                <a:latin typeface="Times New Roman" pitchFamily="18" charset="0"/>
+                <a:cs typeface="Times New Roman" pitchFamily="18" charset="0"/>
+              </a:rPr>
               <a:t> ban , </a:t>
             </a:r>
             <a:r>
-              <a:rPr lang="en-US" dirty="0" err="1"/>
+              <a:rPr lang="en-US" dirty="0" err="1">
+                <a:latin typeface="Times New Roman" pitchFamily="18" charset="0"/>
+                <a:cs typeface="Times New Roman" pitchFamily="18" charset="0"/>
+              </a:rPr>
               <a:t>cấp</a:t>
             </a:r>
             <a:r>
-              <a:rPr lang="en-US" dirty="0"/>
+              <a:rPr lang="en-US" dirty="0">
+                <a:latin typeface="Times New Roman" pitchFamily="18" charset="0"/>
+                <a:cs typeface="Times New Roman" pitchFamily="18" charset="0"/>
+              </a:rPr>
               <a:t> </a:t>
             </a:r>
             <a:r>
-              <a:rPr lang="en-US" dirty="0" err="1"/>
+              <a:rPr lang="en-US" dirty="0" err="1">
+                <a:latin typeface="Times New Roman" pitchFamily="18" charset="0"/>
+                <a:cs typeface="Times New Roman" pitchFamily="18" charset="0"/>
+              </a:rPr>
               <a:t>phát</a:t>
             </a:r>
             <a:r>
-              <a:rPr lang="en-US" dirty="0"/>
+              <a:rPr lang="en-US" dirty="0">
+                <a:latin typeface="Times New Roman" pitchFamily="18" charset="0"/>
+                <a:cs typeface="Times New Roman" pitchFamily="18" charset="0"/>
+              </a:rPr>
               <a:t> </a:t>
             </a:r>
             <a:r>
-              <a:rPr lang="en-US" dirty="0" err="1"/>
+              <a:rPr lang="en-US" dirty="0" err="1">
+                <a:latin typeface="Times New Roman" pitchFamily="18" charset="0"/>
+                <a:cs typeface="Times New Roman" pitchFamily="18" charset="0"/>
+              </a:rPr>
               <a:t>văn</a:t>
             </a:r>
             <a:r>
-              <a:rPr lang="en-US" dirty="0"/>
+              <a:rPr lang="en-US" dirty="0">
+                <a:latin typeface="Times New Roman" pitchFamily="18" charset="0"/>
+                <a:cs typeface="Times New Roman" pitchFamily="18" charset="0"/>
+              </a:rPr>
               <a:t> </a:t>
             </a:r>
             <a:r>
-              <a:rPr lang="en-US" dirty="0" err="1"/>
+              <a:rPr lang="en-US" dirty="0" err="1">
+                <a:latin typeface="Times New Roman" pitchFamily="18" charset="0"/>
+                <a:cs typeface="Times New Roman" pitchFamily="18" charset="0"/>
+              </a:rPr>
               <a:t>phòng</a:t>
             </a:r>
             <a:r>
-              <a:rPr lang="en-US" dirty="0"/>
+              <a:rPr lang="en-US" dirty="0">
+                <a:latin typeface="Times New Roman" pitchFamily="18" charset="0"/>
+                <a:cs typeface="Times New Roman" pitchFamily="18" charset="0"/>
+              </a:rPr>
               <a:t> </a:t>
             </a:r>
             <a:r>
-              <a:rPr lang="en-US" dirty="0" err="1" smtClean="0"/>
+              <a:rPr lang="en-US" dirty="0" err="1" smtClean="0">
+                <a:latin typeface="Times New Roman" pitchFamily="18" charset="0"/>
+                <a:cs typeface="Times New Roman" pitchFamily="18" charset="0"/>
+              </a:rPr>
               <a:t>phẩm</a:t>
             </a:r>
             <a:r>
-              <a:rPr lang="en-US" dirty="0" smtClean="0"/>
+              <a:rPr lang="en-US" dirty="0" smtClean="0">
+                <a:latin typeface="Times New Roman" pitchFamily="18" charset="0"/>
+                <a:cs typeface="Times New Roman" pitchFamily="18" charset="0"/>
+              </a:rPr>
               <a:t>, </a:t>
             </a:r>
             <a:r>
-              <a:rPr lang="en-US" dirty="0" err="1"/>
+              <a:rPr lang="en-US" dirty="0" err="1">
+                <a:latin typeface="Times New Roman" pitchFamily="18" charset="0"/>
+                <a:cs typeface="Times New Roman" pitchFamily="18" charset="0"/>
+              </a:rPr>
               <a:t>nhân</a:t>
             </a:r>
             <a:r>
-              <a:rPr lang="en-US" dirty="0"/>
+              <a:rPr lang="en-US" dirty="0">
+                <a:latin typeface="Times New Roman" pitchFamily="18" charset="0"/>
+                <a:cs typeface="Times New Roman" pitchFamily="18" charset="0"/>
+              </a:rPr>
               <a:t> </a:t>
             </a:r>
             <a:r>
-              <a:rPr lang="en-US" dirty="0" err="1" smtClean="0"/>
+              <a:rPr lang="en-US" dirty="0" err="1" smtClean="0">
+                <a:latin typeface="Times New Roman" pitchFamily="18" charset="0"/>
+                <a:cs typeface="Times New Roman" pitchFamily="18" charset="0"/>
+              </a:rPr>
               <a:t>viên</a:t>
             </a:r>
             <a:r>
-              <a:rPr lang="en-US" dirty="0" smtClean="0"/>
+              <a:rPr lang="en-US" dirty="0" smtClean="0">
+                <a:latin typeface="Times New Roman" pitchFamily="18" charset="0"/>
+                <a:cs typeface="Times New Roman" pitchFamily="18" charset="0"/>
+              </a:rPr>
               <a:t>, </a:t>
             </a:r>
             <a:r>
-              <a:rPr lang="en-US" dirty="0" err="1" smtClean="0"/>
+              <a:rPr lang="en-US" dirty="0" err="1" smtClean="0">
+                <a:latin typeface="Times New Roman" pitchFamily="18" charset="0"/>
+                <a:cs typeface="Times New Roman" pitchFamily="18" charset="0"/>
+              </a:rPr>
               <a:t>thống</a:t>
             </a:r>
             <a:r>
-              <a:rPr lang="en-US" dirty="0" smtClean="0"/>
+              <a:rPr lang="en-US" dirty="0" smtClean="0">
+                <a:latin typeface="Times New Roman" pitchFamily="18" charset="0"/>
+                <a:cs typeface="Times New Roman" pitchFamily="18" charset="0"/>
+              </a:rPr>
               <a:t> </a:t>
             </a:r>
             <a:r>
-              <a:rPr lang="en-US" dirty="0" err="1" smtClean="0"/>
+              <a:rPr lang="en-US" dirty="0" err="1" smtClean="0">
+                <a:latin typeface="Times New Roman" pitchFamily="18" charset="0"/>
+                <a:cs typeface="Times New Roman" pitchFamily="18" charset="0"/>
+              </a:rPr>
               <a:t>kê</a:t>
             </a:r>
-            <a:endParaRPr lang="en-US" dirty="0"/>
-          </a:p>
-          <a:p>
-            <a:r>
-              <a:rPr lang="en-US" dirty="0" err="1" smtClean="0"/>
+            <a:endParaRPr lang="en-US" dirty="0">
+              <a:latin typeface="Times New Roman" pitchFamily="18" charset="0"/>
+              <a:cs typeface="Times New Roman" pitchFamily="18" charset="0"/>
+            </a:endParaRPr>
+          </a:p>
+          <a:p>
+            <a:r>
+              <a:rPr lang="en-US" dirty="0" err="1" smtClean="0">
+                <a:latin typeface="Times New Roman" pitchFamily="18" charset="0"/>
+                <a:cs typeface="Times New Roman" pitchFamily="18" charset="0"/>
+              </a:rPr>
               <a:t>Lưu</a:t>
             </a:r>
             <a:r>
-              <a:rPr lang="en-US" dirty="0" smtClean="0"/>
+              <a:rPr lang="en-US" dirty="0" smtClean="0">
+                <a:latin typeface="Times New Roman" pitchFamily="18" charset="0"/>
+                <a:cs typeface="Times New Roman" pitchFamily="18" charset="0"/>
+              </a:rPr>
               <a:t> </a:t>
             </a:r>
             <a:r>
-              <a:rPr lang="en-US" dirty="0" err="1"/>
+              <a:rPr lang="en-US" dirty="0" err="1">
+                <a:latin typeface="Times New Roman" pitchFamily="18" charset="0"/>
+                <a:cs typeface="Times New Roman" pitchFamily="18" charset="0"/>
+              </a:rPr>
               <a:t>dữ</a:t>
             </a:r>
             <a:r>
-              <a:rPr lang="en-US" dirty="0"/>
+              <a:rPr lang="en-US" dirty="0">
+                <a:latin typeface="Times New Roman" pitchFamily="18" charset="0"/>
+                <a:cs typeface="Times New Roman" pitchFamily="18" charset="0"/>
+              </a:rPr>
               <a:t> </a:t>
             </a:r>
             <a:r>
-              <a:rPr lang="en-US" dirty="0" err="1" smtClean="0"/>
+              <a:rPr lang="en-US" dirty="0" err="1" smtClean="0">
+                <a:latin typeface="Times New Roman" pitchFamily="18" charset="0"/>
+                <a:cs typeface="Times New Roman" pitchFamily="18" charset="0"/>
+              </a:rPr>
               <a:t>liệu</a:t>
             </a:r>
-            <a:endParaRPr lang="en-US" dirty="0"/>
+            <a:endParaRPr lang="en-US" dirty="0">
+              <a:latin typeface="Times New Roman" pitchFamily="18" charset="0"/>
+              <a:cs typeface="Times New Roman" pitchFamily="18" charset="0"/>
+            </a:endParaRPr>
           </a:p>
         </p:txBody>
       </p:sp>
@@ -4676,52 +5399,52 @@
 </file>
 
 <file path=ppt/theme/theme1.xml><?xml version="1.0" encoding="utf-8"?>
-<a:theme xmlns:a="http://schemas.openxmlformats.org/drawingml/2006/main" name="Office Theme">
+<a:theme xmlns:a="http://schemas.openxmlformats.org/drawingml/2006/main" name="Adjacency">
   <a:themeElements>
-    <a:clrScheme name="Office">
+    <a:clrScheme name="Adjacency">
       <a:dk1>
-        <a:sysClr val="windowText" lastClr="000000"/>
+        <a:srgbClr val="2F2B20"/>
       </a:dk1>
       <a:lt1>
-        <a:sysClr val="window" lastClr="FFFFFF"/>
+        <a:srgbClr val="FFFFFF"/>
       </a:lt1>
       <a:dk2>
-        <a:srgbClr val="1F497D"/>
+        <a:srgbClr val="675E47"/>
       </a:dk2>
       <a:lt2>
-        <a:srgbClr val="EEECE1"/>
+        <a:srgbClr val="DFDCB7"/>
       </a:lt2>
       <a:accent1>
-        <a:srgbClr val="4F81BD"/>
+        <a:srgbClr val="A9A57C"/>
       </a:accent1>
       <a:accent2>
-        <a:srgbClr val="C0504D"/>
+        <a:srgbClr val="9CBEBD"/>
       </a:accent2>
       <a:accent3>
-        <a:srgbClr val="9BBB59"/>
+        <a:srgbClr val="D2CB6C"/>
       </a:accent3>
       <a:accent4>
-        <a:srgbClr val="8064A2"/>
+        <a:srgbClr val="95A39D"/>
       </a:accent4>
       <a:accent5>
-        <a:srgbClr val="4BACC6"/>
+        <a:srgbClr val="C89F5D"/>
       </a:accent5>
       <a:accent6>
-        <a:srgbClr val="F79646"/>
+        <a:srgbClr val="B1A089"/>
       </a:accent6>
       <a:hlink>
-        <a:srgbClr val="0000FF"/>
+        <a:srgbClr val="D25814"/>
       </a:hlink>
       <a:folHlink>
-        <a:srgbClr val="800080"/>
+        <a:srgbClr val="849A0A"/>
       </a:folHlink>
     </a:clrScheme>
     <a:fontScheme name="Office">
       <a:majorFont>
-        <a:latin typeface="Calibri"/>
+        <a:latin typeface="Cambria"/>
         <a:ea typeface=""/>
         <a:cs typeface=""/>
-        <a:font script="Jpan" typeface="ＭＳ Ｐゴシック"/>
+        <a:font script="Jpan" typeface="ＭＳ ゴシック"/>
         <a:font script="Hang" typeface="맑은 고딕"/>
         <a:font script="Hans" typeface="宋体"/>
         <a:font script="Hant" typeface="新細明體"/>
@@ -4750,12 +5473,13 @@
         <a:font script="Mong" typeface="Mongolian Baiti"/>
         <a:font script="Viet" typeface="Times New Roman"/>
         <a:font script="Uigh" typeface="Microsoft Uighur"/>
+        <a:font script="Geor" typeface="Sylfaen"/>
       </a:majorFont>
       <a:minorFont>
         <a:latin typeface="Calibri"/>
         <a:ea typeface=""/>
         <a:cs typeface=""/>
-        <a:font script="Jpan" typeface="ＭＳ Ｐゴシック"/>
+        <a:font script="Jpan" typeface="ＭＳ 明朝"/>
         <a:font script="Hang" typeface="맑은 고딕"/>
         <a:font script="Hans" typeface="宋体"/>
         <a:font script="Hant" typeface="新細明體"/>
@@ -4784,62 +5508,25 @@
         <a:font script="Mong" typeface="Mongolian Baiti"/>
         <a:font script="Viet" typeface="Arial"/>
         <a:font script="Uigh" typeface="Microsoft Uighur"/>
+        <a:font script="Geor" typeface="Sylfaen"/>
       </a:minorFont>
     </a:fontScheme>
-    <a:fmtScheme name="Office">
+    <a:fmtScheme name="Adjacency">
       <a:fillStyleLst>
         <a:solidFill>
           <a:schemeClr val="phClr"/>
         </a:solidFill>
-        <a:gradFill rotWithShape="1">
-          <a:gsLst>
-            <a:gs pos="0">
-              <a:schemeClr val="phClr">
-                <a:tint val="50000"/>
-                <a:satMod val="300000"/>
-              </a:schemeClr>
-            </a:gs>
-            <a:gs pos="35000">
-              <a:schemeClr val="phClr">
-                <a:tint val="37000"/>
-                <a:satMod val="300000"/>
-              </a:schemeClr>
-            </a:gs>
-            <a:gs pos="100000">
-              <a:schemeClr val="phClr">
-                <a:tint val="15000"/>
-                <a:satMod val="350000"/>
-              </a:schemeClr>
-            </a:gs>
-          </a:gsLst>
-          <a:lin ang="16200000" scaled="1"/>
-        </a:gradFill>
-        <a:gradFill rotWithShape="1">
-          <a:gsLst>
-            <a:gs pos="0">
-              <a:schemeClr val="phClr">
-                <a:shade val="51000"/>
-                <a:satMod val="130000"/>
-              </a:schemeClr>
-            </a:gs>
-            <a:gs pos="80000">
-              <a:schemeClr val="phClr">
-                <a:shade val="93000"/>
-                <a:satMod val="130000"/>
-              </a:schemeClr>
-            </a:gs>
-            <a:gs pos="100000">
-              <a:schemeClr val="phClr">
-                <a:shade val="94000"/>
-                <a:satMod val="135000"/>
-              </a:schemeClr>
-            </a:gs>
-          </a:gsLst>
-          <a:lin ang="16200000" scaled="0"/>
-        </a:gradFill>
+        <a:solidFill>
+          <a:schemeClr val="phClr">
+            <a:tint val="55000"/>
+          </a:schemeClr>
+        </a:solidFill>
+        <a:solidFill>
+          <a:schemeClr val="phClr"/>
+        </a:solidFill>
       </a:fillStyleLst>
       <a:lnStyleLst>
-        <a:ln w="9525" cap="flat" cmpd="sng" algn="ctr">
+        <a:ln w="12700" cap="flat" cmpd="sng" algn="ctr">
           <a:solidFill>
             <a:schemeClr val="phClr">
               <a:shade val="95000"/>
@@ -4863,41 +5550,35 @@
       </a:lnStyleLst>
       <a:effectStyleLst>
         <a:effectStyle>
+          <a:effectLst/>
+        </a:effectStyle>
+        <a:effectStyle>
           <a:effectLst>
-            <a:outerShdw blurRad="40000" dist="20000" dir="5400000" rotWithShape="0">
+            <a:outerShdw blurRad="50800" dist="25400" algn="bl" rotWithShape="0">
               <a:srgbClr val="000000">
-                <a:alpha val="38000"/>
+                <a:alpha val="60000"/>
               </a:srgbClr>
             </a:outerShdw>
           </a:effectLst>
         </a:effectStyle>
         <a:effectStyle>
-          <a:effectLst>
-            <a:outerShdw blurRad="40000" dist="23000" dir="5400000" rotWithShape="0">
-              <a:srgbClr val="000000">
-                <a:alpha val="35000"/>
-              </a:srgbClr>
-            </a:outerShdw>
-          </a:effectLst>
-        </a:effectStyle>
-        <a:effectStyle>
-          <a:effectLst>
-            <a:outerShdw blurRad="40000" dist="23000" dir="5400000" rotWithShape="0">
-              <a:srgbClr val="000000">
-                <a:alpha val="35000"/>
-              </a:srgbClr>
-            </a:outerShdw>
-          </a:effectLst>
+          <a:effectLst/>
           <a:scene3d>
             <a:camera prst="orthographicFront">
               <a:rot lat="0" lon="0" rev="0"/>
             </a:camera>
-            <a:lightRig rig="threePt" dir="t">
-              <a:rot lat="0" lon="0" rev="1200000"/>
+            <a:lightRig rig="brightRoom" dir="tl">
+              <a:rot lat="0" lon="0" rev="1800000"/>
             </a:lightRig>
           </a:scene3d>
-          <a:sp3d>
-            <a:bevelT w="63500" h="25400"/>
+          <a:sp3d contourW="10160" prstMaterial="dkEdge">
+            <a:bevelT w="38100" h="50800" prst="angle"/>
+            <a:contourClr>
+              <a:schemeClr val="phClr">
+                <a:shade val="40000"/>
+                <a:satMod val="150000"/>
+              </a:schemeClr>
+            </a:contourClr>
           </a:sp3d>
         </a:effectStyle>
       </a:effectStyleLst>
@@ -4909,47 +5590,39 @@
           <a:gsLst>
             <a:gs pos="0">
               <a:schemeClr val="phClr">
-                <a:tint val="40000"/>
-                <a:satMod val="350000"/>
+                <a:tint val="90000"/>
               </a:schemeClr>
             </a:gs>
-            <a:gs pos="40000">
+            <a:gs pos="75000">
               <a:schemeClr val="phClr">
-                <a:tint val="45000"/>
-                <a:shade val="99000"/>
-                <a:satMod val="350000"/>
+                <a:shade val="100000"/>
+                <a:satMod val="115000"/>
               </a:schemeClr>
             </a:gs>
             <a:gs pos="100000">
               <a:schemeClr val="phClr">
-                <a:shade val="20000"/>
-                <a:satMod val="255000"/>
+                <a:shade val="70000"/>
+                <a:satMod val="130000"/>
               </a:schemeClr>
             </a:gs>
           </a:gsLst>
           <a:path path="circle">
-            <a:fillToRect l="50000" t="-80000" r="50000" b="180000"/>
+            <a:fillToRect l="20000" t="50000" r="100000" b="50000"/>
           </a:path>
         </a:gradFill>
-        <a:gradFill rotWithShape="1">
-          <a:gsLst>
-            <a:gs pos="0">
+        <a:blipFill rotWithShape="1">
+          <a:blip xmlns:r="http://schemas.openxmlformats.org/officeDocument/2006/relationships" r:embed="rId1">
+            <a:duotone>
               <a:schemeClr val="phClr">
-                <a:tint val="80000"/>
-                <a:satMod val="300000"/>
+                <a:tint val="97000"/>
               </a:schemeClr>
-            </a:gs>
-            <a:gs pos="100000">
               <a:schemeClr val="phClr">
-                <a:shade val="30000"/>
-                <a:satMod val="200000"/>
+                <a:shade val="96000"/>
               </a:schemeClr>
-            </a:gs>
-          </a:gsLst>
-          <a:path path="circle">
-            <a:fillToRect l="50000" t="50000" r="50000" b="50000"/>
-          </a:path>
-        </a:gradFill>
+            </a:duotone>
+          </a:blip>
+          <a:tile tx="0" ty="0" sx="32000" sy="32000" flip="none" algn="tl"/>
+        </a:blipFill>
       </a:bgFillStyleLst>
     </a:fmtScheme>
   </a:themeElements>

--- a/Baocao.pptx
+++ b/Baocao.pptx
@@ -19,6 +19,7 @@
     <p:sldId id="267" r:id="rId13"/>
     <p:sldId id="268" r:id="rId14"/>
     <p:sldId id="269" r:id="rId15"/>
+    <p:sldId id="270" r:id="rId16"/>
   </p:sldIdLst>
   <p:sldSz cx="9144000" cy="6858000" type="screen4x3"/>
   <p:notesSz cx="6858000" cy="9144000"/>
@@ -3225,6 +3226,7 @@
           </a:bodyPr>
           <a:lstStyle/>
           <a:p>
+            <a:pPr algn="ctr"/>
             <a:r>
               <a:rPr lang="en-US" sz="4400" b="1" dirty="0" err="1">
                 <a:solidFill>
@@ -3769,12 +3771,70 @@
             <p:ph type="title"/>
           </p:nvPr>
         </p:nvSpPr>
-        <p:spPr/>
-        <p:txBody>
-          <a:bodyPr/>
-          <a:lstStyle/>
-          <a:p>
-            <a:endParaRPr lang="en-US"/>
+        <p:spPr>
+          <a:xfrm>
+            <a:off x="457200" y="76200"/>
+            <a:ext cx="7620000" cy="838200"/>
+          </a:xfrm>
+        </p:spPr>
+        <p:txBody>
+          <a:bodyPr/>
+          <a:lstStyle/>
+          <a:p>
+            <a:pPr algn="ctr"/>
+            <a:r>
+              <a:rPr lang="en-US" sz="4000" dirty="0" err="1" smtClean="0">
+                <a:latin typeface="Times New Roman" pitchFamily="18" charset="0"/>
+                <a:cs typeface="Times New Roman" pitchFamily="18" charset="0"/>
+              </a:rPr>
+              <a:t>Màn</a:t>
+            </a:r>
+            <a:r>
+              <a:rPr lang="en-US" sz="4000" dirty="0" smtClean="0">
+                <a:latin typeface="Times New Roman" pitchFamily="18" charset="0"/>
+                <a:cs typeface="Times New Roman" pitchFamily="18" charset="0"/>
+              </a:rPr>
+              <a:t> </a:t>
+            </a:r>
+            <a:r>
+              <a:rPr lang="en-US" sz="4000" dirty="0" err="1" smtClean="0">
+                <a:latin typeface="Times New Roman" pitchFamily="18" charset="0"/>
+                <a:cs typeface="Times New Roman" pitchFamily="18" charset="0"/>
+              </a:rPr>
+              <a:t>hình</a:t>
+            </a:r>
+            <a:r>
+              <a:rPr lang="en-US" sz="4000" dirty="0" smtClean="0">
+                <a:latin typeface="Times New Roman" pitchFamily="18" charset="0"/>
+                <a:cs typeface="Times New Roman" pitchFamily="18" charset="0"/>
+              </a:rPr>
+              <a:t> </a:t>
+            </a:r>
+            <a:r>
+              <a:rPr lang="en-US" sz="4000" dirty="0" err="1" smtClean="0">
+                <a:latin typeface="Times New Roman" pitchFamily="18" charset="0"/>
+                <a:cs typeface="Times New Roman" pitchFamily="18" charset="0"/>
+              </a:rPr>
+              <a:t>nhân</a:t>
+            </a:r>
+            <a:r>
+              <a:rPr lang="en-US" sz="4000" dirty="0" smtClean="0">
+                <a:latin typeface="Times New Roman" pitchFamily="18" charset="0"/>
+                <a:cs typeface="Times New Roman" pitchFamily="18" charset="0"/>
+              </a:rPr>
+              <a:t> </a:t>
+            </a:r>
+            <a:r>
+              <a:rPr lang="en-US" sz="4000" dirty="0" err="1" smtClean="0">
+                <a:latin typeface="Times New Roman" pitchFamily="18" charset="0"/>
+                <a:cs typeface="Times New Roman" pitchFamily="18" charset="0"/>
+              </a:rPr>
+              <a:t>viên</a:t>
+            </a:r>
+            <a:endParaRPr lang="en-US" sz="4000" dirty="0">
+              <a:latin typeface="Times New Roman" pitchFamily="18" charset="0"/>
+              <a:cs typeface="Times New Roman" pitchFamily="18" charset="0"/>
+            </a:endParaRPr>
           </a:p>
         </p:txBody>
       </p:sp>
@@ -3811,7 +3871,7 @@
         </p:blipFill>
         <p:spPr>
           <a:xfrm>
-            <a:off x="2362200" y="533400"/>
+            <a:off x="2194560" y="914400"/>
             <a:ext cx="4419600" cy="5741670"/>
           </a:xfrm>
           <a:prstGeom prst="rect">
@@ -3859,12 +3919,84 @@
             <p:ph type="title"/>
           </p:nvPr>
         </p:nvSpPr>
-        <p:spPr/>
-        <p:txBody>
-          <a:bodyPr/>
-          <a:lstStyle/>
-          <a:p>
-            <a:endParaRPr lang="en-US"/>
+        <p:spPr>
+          <a:xfrm>
+            <a:off x="457200" y="76200"/>
+            <a:ext cx="7620000" cy="914400"/>
+          </a:xfrm>
+        </p:spPr>
+        <p:txBody>
+          <a:bodyPr/>
+          <a:lstStyle/>
+          <a:p>
+            <a:pPr algn="ctr"/>
+            <a:r>
+              <a:rPr lang="en-US" sz="4000" dirty="0" err="1" smtClean="0">
+                <a:latin typeface="Times New Roman" pitchFamily="18" charset="0"/>
+                <a:cs typeface="Times New Roman" pitchFamily="18" charset="0"/>
+              </a:rPr>
+              <a:t>Màn</a:t>
+            </a:r>
+            <a:r>
+              <a:rPr lang="en-US" sz="4000" dirty="0" smtClean="0">
+                <a:latin typeface="Times New Roman" pitchFamily="18" charset="0"/>
+                <a:cs typeface="Times New Roman" pitchFamily="18" charset="0"/>
+              </a:rPr>
+              <a:t> </a:t>
+            </a:r>
+            <a:r>
+              <a:rPr lang="en-US" sz="4000" dirty="0" err="1" smtClean="0">
+                <a:latin typeface="Times New Roman" pitchFamily="18" charset="0"/>
+                <a:cs typeface="Times New Roman" pitchFamily="18" charset="0"/>
+              </a:rPr>
+              <a:t>hình</a:t>
+            </a:r>
+            <a:r>
+              <a:rPr lang="en-US" sz="4000" dirty="0" smtClean="0">
+                <a:latin typeface="Times New Roman" pitchFamily="18" charset="0"/>
+                <a:cs typeface="Times New Roman" pitchFamily="18" charset="0"/>
+              </a:rPr>
+              <a:t> </a:t>
+            </a:r>
+            <a:r>
+              <a:rPr lang="en-US" sz="4000" dirty="0" err="1" smtClean="0">
+                <a:latin typeface="Times New Roman" pitchFamily="18" charset="0"/>
+                <a:cs typeface="Times New Roman" pitchFamily="18" charset="0"/>
+              </a:rPr>
+              <a:t>thêm</a:t>
+            </a:r>
+            <a:r>
+              <a:rPr lang="en-US" sz="4000" dirty="0" smtClean="0">
+                <a:latin typeface="Times New Roman" pitchFamily="18" charset="0"/>
+                <a:cs typeface="Times New Roman" pitchFamily="18" charset="0"/>
+              </a:rPr>
+              <a:t> </a:t>
+            </a:r>
+            <a:r>
+              <a:rPr lang="en-US" sz="4000" dirty="0" err="1" smtClean="0">
+                <a:latin typeface="Times New Roman" pitchFamily="18" charset="0"/>
+                <a:cs typeface="Times New Roman" pitchFamily="18" charset="0"/>
+              </a:rPr>
+              <a:t>nhân</a:t>
+            </a:r>
+            <a:r>
+              <a:rPr lang="en-US" sz="4000" dirty="0" smtClean="0">
+                <a:latin typeface="Times New Roman" pitchFamily="18" charset="0"/>
+                <a:cs typeface="Times New Roman" pitchFamily="18" charset="0"/>
+              </a:rPr>
+              <a:t> </a:t>
+            </a:r>
+            <a:r>
+              <a:rPr lang="en-US" sz="4000" dirty="0" err="1" smtClean="0">
+                <a:latin typeface="Times New Roman" pitchFamily="18" charset="0"/>
+                <a:cs typeface="Times New Roman" pitchFamily="18" charset="0"/>
+              </a:rPr>
+              <a:t>viên</a:t>
+            </a:r>
+            <a:endParaRPr lang="en-US" sz="4000" dirty="0">
+              <a:latin typeface="Times New Roman" pitchFamily="18" charset="0"/>
+              <a:cs typeface="Times New Roman" pitchFamily="18" charset="0"/>
+            </a:endParaRPr>
           </a:p>
         </p:txBody>
       </p:sp>
@@ -3901,7 +4033,7 @@
         </p:blipFill>
         <p:spPr>
           <a:xfrm>
-            <a:off x="2514600" y="457200"/>
+            <a:off x="2334768" y="990600"/>
             <a:ext cx="4213860" cy="5585460"/>
           </a:xfrm>
           <a:prstGeom prst="rect">
@@ -3949,12 +4081,84 @@
             <p:ph type="title"/>
           </p:nvPr>
         </p:nvSpPr>
-        <p:spPr/>
-        <p:txBody>
-          <a:bodyPr/>
-          <a:lstStyle/>
-          <a:p>
-            <a:endParaRPr lang="en-US"/>
+        <p:spPr>
+          <a:xfrm>
+            <a:off x="457200" y="0"/>
+            <a:ext cx="7620000" cy="838200"/>
+          </a:xfrm>
+        </p:spPr>
+        <p:txBody>
+          <a:bodyPr/>
+          <a:lstStyle/>
+          <a:p>
+            <a:pPr algn="ctr"/>
+            <a:r>
+              <a:rPr lang="en-US" sz="4000" dirty="0" err="1" smtClean="0">
+                <a:latin typeface="Times New Roman" pitchFamily="18" charset="0"/>
+                <a:cs typeface="Times New Roman" pitchFamily="18" charset="0"/>
+              </a:rPr>
+              <a:t>Màn</a:t>
+            </a:r>
+            <a:r>
+              <a:rPr lang="en-US" sz="4000" dirty="0">
+                <a:latin typeface="Times New Roman" pitchFamily="18" charset="0"/>
+                <a:cs typeface="Times New Roman" pitchFamily="18" charset="0"/>
+              </a:rPr>
+              <a:t> </a:t>
+            </a:r>
+            <a:r>
+              <a:rPr lang="en-US" sz="4000" dirty="0" err="1" smtClean="0">
+                <a:latin typeface="Times New Roman" pitchFamily="18" charset="0"/>
+                <a:cs typeface="Times New Roman" pitchFamily="18" charset="0"/>
+              </a:rPr>
+              <a:t>hình</a:t>
+            </a:r>
+            <a:r>
+              <a:rPr lang="en-US" sz="4000" dirty="0" smtClean="0">
+                <a:latin typeface="Times New Roman" pitchFamily="18" charset="0"/>
+                <a:cs typeface="Times New Roman" pitchFamily="18" charset="0"/>
+              </a:rPr>
+              <a:t> </a:t>
+            </a:r>
+            <a:r>
+              <a:rPr lang="en-US" sz="4000" dirty="0" err="1" smtClean="0">
+                <a:latin typeface="Times New Roman" pitchFamily="18" charset="0"/>
+                <a:cs typeface="Times New Roman" pitchFamily="18" charset="0"/>
+              </a:rPr>
+              <a:t>cập</a:t>
+            </a:r>
+            <a:r>
+              <a:rPr lang="en-US" sz="4000" dirty="0" smtClean="0">
+                <a:latin typeface="Times New Roman" pitchFamily="18" charset="0"/>
+                <a:cs typeface="Times New Roman" pitchFamily="18" charset="0"/>
+              </a:rPr>
+              <a:t> </a:t>
+            </a:r>
+            <a:r>
+              <a:rPr lang="en-US" sz="4000" dirty="0" err="1" smtClean="0">
+                <a:latin typeface="Times New Roman" pitchFamily="18" charset="0"/>
+                <a:cs typeface="Times New Roman" pitchFamily="18" charset="0"/>
+              </a:rPr>
+              <a:t>nhật</a:t>
+            </a:r>
+            <a:r>
+              <a:rPr lang="en-US" sz="4000" dirty="0" smtClean="0">
+                <a:latin typeface="Times New Roman" pitchFamily="18" charset="0"/>
+                <a:cs typeface="Times New Roman" pitchFamily="18" charset="0"/>
+              </a:rPr>
+              <a:t> </a:t>
+            </a:r>
+            <a:r>
+              <a:rPr lang="en-US" sz="4000" dirty="0" err="1" smtClean="0">
+                <a:latin typeface="Times New Roman" pitchFamily="18" charset="0"/>
+                <a:cs typeface="Times New Roman" pitchFamily="18" charset="0"/>
+              </a:rPr>
+              <a:t>vpp</a:t>
+            </a:r>
+            <a:endParaRPr lang="en-US" sz="4000" dirty="0">
+              <a:latin typeface="Times New Roman" pitchFamily="18" charset="0"/>
+              <a:cs typeface="Times New Roman" pitchFamily="18" charset="0"/>
+            </a:endParaRPr>
           </a:p>
         </p:txBody>
       </p:sp>
@@ -3991,7 +4195,7 @@
         </p:blipFill>
         <p:spPr>
           <a:xfrm>
-            <a:off x="2667000" y="457200"/>
+            <a:off x="2362200" y="762000"/>
             <a:ext cx="4000500" cy="5741670"/>
           </a:xfrm>
           <a:prstGeom prst="rect">
@@ -4039,12 +4243,70 @@
             <p:ph type="title"/>
           </p:nvPr>
         </p:nvSpPr>
-        <p:spPr/>
-        <p:txBody>
-          <a:bodyPr/>
-          <a:lstStyle/>
-          <a:p>
-            <a:endParaRPr lang="en-US"/>
+        <p:spPr>
+          <a:xfrm>
+            <a:off x="457200" y="76200"/>
+            <a:ext cx="7620000" cy="914400"/>
+          </a:xfrm>
+        </p:spPr>
+        <p:txBody>
+          <a:bodyPr/>
+          <a:lstStyle/>
+          <a:p>
+            <a:pPr algn="ctr"/>
+            <a:r>
+              <a:rPr lang="en-US" sz="4000" dirty="0" err="1" smtClean="0">
+                <a:latin typeface="Times New Roman" pitchFamily="18" charset="0"/>
+                <a:cs typeface="Times New Roman" pitchFamily="18" charset="0"/>
+              </a:rPr>
+              <a:t>Mà</a:t>
+            </a:r>
+            <a:r>
+              <a:rPr lang="en-US" sz="4000" dirty="0" err="1" smtClean="0">
+                <a:latin typeface="Times New Roman" pitchFamily="18" charset="0"/>
+                <a:cs typeface="Times New Roman" pitchFamily="18" charset="0"/>
+              </a:rPr>
+              <a:t>n</a:t>
+            </a:r>
+            <a:r>
+              <a:rPr lang="en-US" sz="4000" dirty="0" smtClean="0">
+                <a:latin typeface="Times New Roman" pitchFamily="18" charset="0"/>
+                <a:cs typeface="Times New Roman" pitchFamily="18" charset="0"/>
+              </a:rPr>
+              <a:t> </a:t>
+            </a:r>
+            <a:r>
+              <a:rPr lang="en-US" sz="4000" dirty="0" err="1" smtClean="0">
+                <a:latin typeface="Times New Roman" pitchFamily="18" charset="0"/>
+                <a:cs typeface="Times New Roman" pitchFamily="18" charset="0"/>
+              </a:rPr>
+              <a:t>hình</a:t>
+            </a:r>
+            <a:r>
+              <a:rPr lang="en-US" sz="4000" dirty="0" smtClean="0">
+                <a:latin typeface="Times New Roman" pitchFamily="18" charset="0"/>
+                <a:cs typeface="Times New Roman" pitchFamily="18" charset="0"/>
+              </a:rPr>
+              <a:t> </a:t>
+            </a:r>
+            <a:r>
+              <a:rPr lang="en-US" sz="4000" dirty="0" err="1" smtClean="0">
+                <a:latin typeface="Times New Roman" pitchFamily="18" charset="0"/>
+                <a:cs typeface="Times New Roman" pitchFamily="18" charset="0"/>
+              </a:rPr>
+              <a:t>thêm</a:t>
+            </a:r>
+            <a:r>
+              <a:rPr lang="en-US" sz="4000" dirty="0" smtClean="0">
+                <a:latin typeface="Times New Roman" pitchFamily="18" charset="0"/>
+                <a:cs typeface="Times New Roman" pitchFamily="18" charset="0"/>
+              </a:rPr>
+              <a:t> CNVPP</a:t>
+            </a:r>
+            <a:endParaRPr lang="en-US" sz="4000" dirty="0">
+              <a:latin typeface="Times New Roman" pitchFamily="18" charset="0"/>
+              <a:cs typeface="Times New Roman" pitchFamily="18" charset="0"/>
+            </a:endParaRPr>
           </a:p>
         </p:txBody>
       </p:sp>
@@ -4081,7 +4343,7 @@
         </p:blipFill>
         <p:spPr>
           <a:xfrm>
-            <a:off x="2667000" y="609600"/>
+            <a:off x="2438400" y="914400"/>
             <a:ext cx="3813810" cy="5722620"/>
           </a:xfrm>
           <a:prstGeom prst="rect">
@@ -4129,12 +4391,70 @@
             <p:ph type="title"/>
           </p:nvPr>
         </p:nvSpPr>
-        <p:spPr/>
-        <p:txBody>
-          <a:bodyPr/>
-          <a:lstStyle/>
-          <a:p>
-            <a:endParaRPr lang="en-US"/>
+        <p:spPr>
+          <a:xfrm>
+            <a:off x="457200" y="76200"/>
+            <a:ext cx="7620000" cy="838200"/>
+          </a:xfrm>
+        </p:spPr>
+        <p:txBody>
+          <a:bodyPr/>
+          <a:lstStyle/>
+          <a:p>
+            <a:pPr algn="ctr"/>
+            <a:r>
+              <a:rPr lang="en-US" sz="4000" dirty="0" err="1" smtClean="0">
+                <a:latin typeface="Times New Roman" pitchFamily="18" charset="0"/>
+                <a:cs typeface="Times New Roman" pitchFamily="18" charset="0"/>
+              </a:rPr>
+              <a:t>Màn</a:t>
+            </a:r>
+            <a:r>
+              <a:rPr lang="en-US" sz="4000" dirty="0" smtClean="0">
+                <a:latin typeface="Times New Roman" pitchFamily="18" charset="0"/>
+                <a:cs typeface="Times New Roman" pitchFamily="18" charset="0"/>
+              </a:rPr>
+              <a:t> </a:t>
+            </a:r>
+            <a:r>
+              <a:rPr lang="en-US" sz="4000" dirty="0" err="1" smtClean="0">
+                <a:latin typeface="Times New Roman" pitchFamily="18" charset="0"/>
+                <a:cs typeface="Times New Roman" pitchFamily="18" charset="0"/>
+              </a:rPr>
+              <a:t>hình</a:t>
+            </a:r>
+            <a:r>
+              <a:rPr lang="en-US" sz="4000" dirty="0" smtClean="0">
+                <a:latin typeface="Times New Roman" pitchFamily="18" charset="0"/>
+                <a:cs typeface="Times New Roman" pitchFamily="18" charset="0"/>
+              </a:rPr>
+              <a:t> </a:t>
+            </a:r>
+            <a:r>
+              <a:rPr lang="en-US" sz="4000" dirty="0" err="1" smtClean="0">
+                <a:latin typeface="Times New Roman" pitchFamily="18" charset="0"/>
+                <a:cs typeface="Times New Roman" pitchFamily="18" charset="0"/>
+              </a:rPr>
+              <a:t>thống</a:t>
+            </a:r>
+            <a:r>
+              <a:rPr lang="en-US" sz="4000" dirty="0" smtClean="0">
+                <a:latin typeface="Times New Roman" pitchFamily="18" charset="0"/>
+                <a:cs typeface="Times New Roman" pitchFamily="18" charset="0"/>
+              </a:rPr>
+              <a:t> </a:t>
+            </a:r>
+            <a:r>
+              <a:rPr lang="en-US" sz="4000" dirty="0" err="1" smtClean="0">
+                <a:latin typeface="Times New Roman" pitchFamily="18" charset="0"/>
+                <a:cs typeface="Times New Roman" pitchFamily="18" charset="0"/>
+              </a:rPr>
+              <a:t>kê</a:t>
+            </a:r>
+            <a:endParaRPr lang="en-US" sz="4000" dirty="0">
+              <a:latin typeface="Times New Roman" pitchFamily="18" charset="0"/>
+              <a:cs typeface="Times New Roman" pitchFamily="18" charset="0"/>
+            </a:endParaRPr>
           </a:p>
         </p:txBody>
       </p:sp>
@@ -4171,7 +4491,7 @@
         </p:blipFill>
         <p:spPr>
           <a:xfrm>
-            <a:off x="2895600" y="533400"/>
+            <a:off x="2209800" y="914400"/>
             <a:ext cx="4114800" cy="5867400"/>
           </a:xfrm>
           <a:prstGeom prst="rect">
@@ -4183,6 +4503,115 @@
     <p:extLst>
       <p:ext uri="{BB962C8B-B14F-4D97-AF65-F5344CB8AC3E}">
         <p14:creationId xmlns:p14="http://schemas.microsoft.com/office/powerpoint/2010/main" val="162717887"/>
+      </p:ext>
+    </p:extLst>
+  </p:cSld>
+  <p:clrMapOvr>
+    <a:masterClrMapping/>
+  </p:clrMapOvr>
+</p:sld>
+</file>
+
+<file path=ppt/slides/slide15.xml><?xml version="1.0" encoding="utf-8"?>
+<p:sld xmlns:a="http://schemas.openxmlformats.org/drawingml/2006/main" xmlns:r="http://schemas.openxmlformats.org/officeDocument/2006/relationships" xmlns:p="http://schemas.openxmlformats.org/presentationml/2006/main">
+  <p:cSld>
+    <p:spTree>
+      <p:nvGrpSpPr>
+        <p:cNvPr id="1" name=""/>
+        <p:cNvGrpSpPr/>
+        <p:nvPr/>
+      </p:nvGrpSpPr>
+      <p:grpSpPr>
+        <a:xfrm>
+          <a:off x="0" y="0"/>
+          <a:ext cx="0" cy="0"/>
+          <a:chOff x="0" y="0"/>
+          <a:chExt cx="0" cy="0"/>
+        </a:xfrm>
+      </p:grpSpPr>
+      <p:sp>
+        <p:nvSpPr>
+          <p:cNvPr id="2" name="Title 1"/>
+          <p:cNvSpPr>
+            <a:spLocks noGrp="1"/>
+          </p:cNvSpPr>
+          <p:nvPr>
+            <p:ph type="title"/>
+          </p:nvPr>
+        </p:nvSpPr>
+        <p:spPr/>
+        <p:txBody>
+          <a:bodyPr/>
+          <a:lstStyle/>
+          <a:p>
+            <a:endParaRPr lang="en-US"/>
+          </a:p>
+        </p:txBody>
+      </p:sp>
+      <p:sp>
+        <p:nvSpPr>
+          <p:cNvPr id="3" name="Content Placeholder 2"/>
+          <p:cNvSpPr>
+            <a:spLocks noGrp="1"/>
+          </p:cNvSpPr>
+          <p:nvPr>
+            <p:ph idx="1"/>
+          </p:nvPr>
+        </p:nvSpPr>
+        <p:spPr/>
+        <p:txBody>
+          <a:bodyPr>
+            <a:normAutofit/>
+          </a:bodyPr>
+          <a:lstStyle/>
+          <a:p>
+            <a:pPr marL="114300" indent="0" algn="ctr">
+              <a:buNone/>
+            </a:pPr>
+            <a:r>
+              <a:rPr lang="en-US" sz="6000" dirty="0" err="1" smtClean="0">
+                <a:solidFill>
+                  <a:srgbClr val="FF0000"/>
+                </a:solidFill>
+                <a:latin typeface="Times New Roman" pitchFamily="18" charset="0"/>
+                <a:cs typeface="Times New Roman" pitchFamily="18" charset="0"/>
+              </a:rPr>
+              <a:t>Cảm</a:t>
+            </a:r>
+            <a:r>
+              <a:rPr lang="en-US" sz="6000" dirty="0" smtClean="0">
+                <a:solidFill>
+                  <a:srgbClr val="FF0000"/>
+                </a:solidFill>
+                <a:latin typeface="Times New Roman" pitchFamily="18" charset="0"/>
+                <a:cs typeface="Times New Roman" pitchFamily="18" charset="0"/>
+              </a:rPr>
+              <a:t> </a:t>
+            </a:r>
+            <a:r>
+              <a:rPr lang="en-US" sz="6000" dirty="0" err="1" smtClean="0">
+                <a:solidFill>
+                  <a:srgbClr val="FF0000"/>
+                </a:solidFill>
+                <a:latin typeface="Times New Roman" pitchFamily="18" charset="0"/>
+                <a:cs typeface="Times New Roman" pitchFamily="18" charset="0"/>
+              </a:rPr>
+              <a:t>ơn</a:t>
+            </a:r>
+            <a:endParaRPr lang="en-US" sz="6000" dirty="0">
+              <a:solidFill>
+                <a:srgbClr val="FF0000"/>
+              </a:solidFill>
+              <a:latin typeface="Times New Roman" pitchFamily="18" charset="0"/>
+              <a:cs typeface="Times New Roman" pitchFamily="18" charset="0"/>
+            </a:endParaRPr>
+          </a:p>
+        </p:txBody>
+      </p:sp>
+    </p:spTree>
+    <p:extLst>
+      <p:ext uri="{BB962C8B-B14F-4D97-AF65-F5344CB8AC3E}">
+        <p14:creationId xmlns:p14="http://schemas.microsoft.com/office/powerpoint/2010/main" val="3827921498"/>
       </p:ext>
     </p:extLst>
   </p:cSld>
@@ -4945,12 +5374,38 @@
             <p:ph type="title"/>
           </p:nvPr>
         </p:nvSpPr>
-        <p:spPr/>
-        <p:txBody>
-          <a:bodyPr/>
-          <a:lstStyle/>
-          <a:p>
-            <a:endParaRPr lang="en-US" dirty="0"/>
+        <p:spPr>
+          <a:xfrm>
+            <a:off x="457200" y="274638"/>
+            <a:ext cx="7620000" cy="792162"/>
+          </a:xfrm>
+        </p:spPr>
+        <p:txBody>
+          <a:bodyPr/>
+          <a:lstStyle/>
+          <a:p>
+            <a:pPr algn="ctr"/>
+            <a:r>
+              <a:rPr lang="en-US" sz="4000" dirty="0" err="1" smtClean="0"/>
+              <a:t>Màn</a:t>
+            </a:r>
+            <a:r>
+              <a:rPr lang="en-US" sz="4000" dirty="0" smtClean="0"/>
+              <a:t> </a:t>
+            </a:r>
+            <a:r>
+              <a:rPr lang="en-US" sz="4000" dirty="0" err="1" smtClean="0"/>
+              <a:t>hình</a:t>
+            </a:r>
+            <a:r>
+              <a:rPr lang="en-US" sz="4000" dirty="0" smtClean="0"/>
+              <a:t> </a:t>
+            </a:r>
+            <a:r>
+              <a:rPr lang="en-US" sz="4000" dirty="0" err="1" smtClean="0"/>
+              <a:t>chờ</a:t>
+            </a:r>
+            <a:endParaRPr lang="en-US" sz="4000" dirty="0"/>
           </a:p>
         </p:txBody>
       </p:sp>
@@ -4972,8 +5427,8 @@
         </p:blipFill>
         <p:spPr>
           <a:xfrm>
-            <a:off x="2286000" y="381000"/>
-            <a:ext cx="4190999" cy="5745163"/>
+            <a:off x="2286000" y="1219201"/>
+            <a:ext cx="4190999" cy="5410200"/>
           </a:xfrm>
           <a:prstGeom prst="rect">
             <a:avLst/>
@@ -5020,12 +5475,46 @@
             <p:ph type="title"/>
           </p:nvPr>
         </p:nvSpPr>
-        <p:spPr/>
-        <p:txBody>
-          <a:bodyPr/>
-          <a:lstStyle/>
-          <a:p>
-            <a:endParaRPr lang="en-US"/>
+        <p:spPr>
+          <a:xfrm>
+            <a:off x="457200" y="274638"/>
+            <a:ext cx="7620000" cy="868362"/>
+          </a:xfrm>
+        </p:spPr>
+        <p:txBody>
+          <a:bodyPr/>
+          <a:lstStyle/>
+          <a:p>
+            <a:pPr algn="ctr"/>
+            <a:r>
+              <a:rPr lang="en-US" sz="4000" dirty="0" err="1" smtClean="0"/>
+              <a:t>Màn</a:t>
+            </a:r>
+            <a:r>
+              <a:rPr lang="en-US" sz="4000" dirty="0" smtClean="0"/>
+              <a:t> </a:t>
+            </a:r>
+            <a:r>
+              <a:rPr lang="en-US" sz="4000" dirty="0" err="1" smtClean="0"/>
+              <a:t>hình</a:t>
+            </a:r>
+            <a:r>
+              <a:rPr lang="en-US" sz="4000" dirty="0" smtClean="0"/>
+              <a:t> </a:t>
+            </a:r>
+            <a:r>
+              <a:rPr lang="en-US" sz="4000" dirty="0" err="1" smtClean="0"/>
+              <a:t>trang</a:t>
+            </a:r>
+            <a:r>
+              <a:rPr lang="en-US" sz="4000" dirty="0" smtClean="0"/>
+              <a:t> </a:t>
+            </a:r>
+            <a:r>
+              <a:rPr lang="en-US" sz="4000" dirty="0" err="1" smtClean="0"/>
+              <a:t>chủ</a:t>
+            </a:r>
+            <a:endParaRPr lang="en-US" sz="4000" dirty="0"/>
           </a:p>
         </p:txBody>
       </p:sp>
@@ -5047,8 +5536,8 @@
         </p:blipFill>
         <p:spPr>
           <a:xfrm>
-            <a:off x="2743200" y="304800"/>
-            <a:ext cx="3962400" cy="5516563"/>
+            <a:off x="2362200" y="1600200"/>
+            <a:ext cx="3962400" cy="4983163"/>
           </a:xfrm>
           <a:prstGeom prst="rect">
             <a:avLst/>
@@ -5095,12 +5584,84 @@
             <p:ph type="title"/>
           </p:nvPr>
         </p:nvSpPr>
-        <p:spPr/>
-        <p:txBody>
-          <a:bodyPr/>
-          <a:lstStyle/>
-          <a:p>
-            <a:endParaRPr lang="en-US"/>
+        <p:spPr>
+          <a:xfrm>
+            <a:off x="457200" y="76200"/>
+            <a:ext cx="7620000" cy="762000"/>
+          </a:xfrm>
+        </p:spPr>
+        <p:txBody>
+          <a:bodyPr/>
+          <a:lstStyle/>
+          <a:p>
+            <a:pPr algn="ctr"/>
+            <a:r>
+              <a:rPr lang="en-US" sz="4000" dirty="0" err="1" smtClean="0">
+                <a:latin typeface="Times New Roman" pitchFamily="18" charset="0"/>
+                <a:cs typeface="Times New Roman" pitchFamily="18" charset="0"/>
+              </a:rPr>
+              <a:t>Màn</a:t>
+            </a:r>
+            <a:r>
+              <a:rPr lang="en-US" sz="4000" dirty="0" smtClean="0">
+                <a:latin typeface="Times New Roman" pitchFamily="18" charset="0"/>
+                <a:cs typeface="Times New Roman" pitchFamily="18" charset="0"/>
+              </a:rPr>
+              <a:t> </a:t>
+            </a:r>
+            <a:r>
+              <a:rPr lang="en-US" sz="4000" dirty="0" err="1" smtClean="0">
+                <a:latin typeface="Times New Roman" pitchFamily="18" charset="0"/>
+                <a:cs typeface="Times New Roman" pitchFamily="18" charset="0"/>
+              </a:rPr>
+              <a:t>hình</a:t>
+            </a:r>
+            <a:r>
+              <a:rPr lang="en-US" sz="4000" dirty="0" smtClean="0">
+                <a:latin typeface="Times New Roman" pitchFamily="18" charset="0"/>
+                <a:cs typeface="Times New Roman" pitchFamily="18" charset="0"/>
+              </a:rPr>
+              <a:t> </a:t>
+            </a:r>
+            <a:r>
+              <a:rPr lang="en-US" sz="4000" dirty="0" err="1" smtClean="0">
+                <a:latin typeface="Times New Roman" pitchFamily="18" charset="0"/>
+                <a:cs typeface="Times New Roman" pitchFamily="18" charset="0"/>
+              </a:rPr>
+              <a:t>văn</a:t>
+            </a:r>
+            <a:r>
+              <a:rPr lang="en-US" sz="4000" dirty="0" smtClean="0">
+                <a:latin typeface="Times New Roman" pitchFamily="18" charset="0"/>
+                <a:cs typeface="Times New Roman" pitchFamily="18" charset="0"/>
+              </a:rPr>
+              <a:t> </a:t>
+            </a:r>
+            <a:r>
+              <a:rPr lang="en-US" sz="4000" dirty="0" err="1" smtClean="0">
+                <a:latin typeface="Times New Roman" pitchFamily="18" charset="0"/>
+                <a:cs typeface="Times New Roman" pitchFamily="18" charset="0"/>
+              </a:rPr>
+              <a:t>phòng</a:t>
+            </a:r>
+            <a:r>
+              <a:rPr lang="en-US" sz="4000" dirty="0" smtClean="0">
+                <a:latin typeface="Times New Roman" pitchFamily="18" charset="0"/>
+                <a:cs typeface="Times New Roman" pitchFamily="18" charset="0"/>
+              </a:rPr>
+              <a:t> </a:t>
+            </a:r>
+            <a:r>
+              <a:rPr lang="en-US" sz="4000" dirty="0" err="1" smtClean="0">
+                <a:latin typeface="Times New Roman" pitchFamily="18" charset="0"/>
+                <a:cs typeface="Times New Roman" pitchFamily="18" charset="0"/>
+              </a:rPr>
+              <a:t>phẩm</a:t>
+            </a:r>
+            <a:endParaRPr lang="en-US" sz="4000" dirty="0">
+              <a:latin typeface="Times New Roman" pitchFamily="18" charset="0"/>
+              <a:cs typeface="Times New Roman" pitchFamily="18" charset="0"/>
+            </a:endParaRPr>
           </a:p>
         </p:txBody>
       </p:sp>
@@ -5122,8 +5683,8 @@
         </p:blipFill>
         <p:spPr>
           <a:xfrm>
-            <a:off x="2514601" y="381000"/>
-            <a:ext cx="4800600" cy="6248400"/>
+            <a:off x="2133600" y="838200"/>
+            <a:ext cx="4267200" cy="5867400"/>
           </a:xfrm>
           <a:prstGeom prst="rect">
             <a:avLst/>
@@ -5170,12 +5731,98 @@
             <p:ph type="title"/>
           </p:nvPr>
         </p:nvSpPr>
-        <p:spPr/>
-        <p:txBody>
-          <a:bodyPr/>
-          <a:lstStyle/>
-          <a:p>
-            <a:endParaRPr lang="en-US"/>
+        <p:spPr>
+          <a:xfrm>
+            <a:off x="457200" y="76200"/>
+            <a:ext cx="7620000" cy="762000"/>
+          </a:xfrm>
+        </p:spPr>
+        <p:txBody>
+          <a:bodyPr/>
+          <a:lstStyle/>
+          <a:p>
+            <a:pPr algn="ctr"/>
+            <a:r>
+              <a:rPr lang="en-US" sz="4000" dirty="0" err="1" smtClean="0">
+                <a:latin typeface="Times New Roman" pitchFamily="18" charset="0"/>
+                <a:cs typeface="Times New Roman" pitchFamily="18" charset="0"/>
+              </a:rPr>
+              <a:t>Màn</a:t>
+            </a:r>
+            <a:r>
+              <a:rPr lang="en-US" sz="4000" dirty="0" smtClean="0">
+                <a:latin typeface="Times New Roman" pitchFamily="18" charset="0"/>
+                <a:cs typeface="Times New Roman" pitchFamily="18" charset="0"/>
+              </a:rPr>
+              <a:t> </a:t>
+            </a:r>
+            <a:r>
+              <a:rPr lang="en-US" sz="4000" dirty="0" err="1" smtClean="0">
+                <a:latin typeface="Times New Roman" pitchFamily="18" charset="0"/>
+                <a:cs typeface="Times New Roman" pitchFamily="18" charset="0"/>
+              </a:rPr>
+              <a:t>hình</a:t>
+            </a:r>
+            <a:r>
+              <a:rPr lang="en-US" sz="4000" dirty="0" smtClean="0">
+                <a:latin typeface="Times New Roman" pitchFamily="18" charset="0"/>
+                <a:cs typeface="Times New Roman" pitchFamily="18" charset="0"/>
+              </a:rPr>
+              <a:t> </a:t>
+            </a:r>
+            <a:r>
+              <a:rPr lang="en-US" sz="4000" dirty="0" err="1" smtClean="0">
+                <a:latin typeface="Times New Roman" pitchFamily="18" charset="0"/>
+                <a:cs typeface="Times New Roman" pitchFamily="18" charset="0"/>
+              </a:rPr>
+              <a:t>thêm</a:t>
+            </a:r>
+            <a:r>
+              <a:rPr lang="en-US" sz="4000" dirty="0" smtClean="0">
+                <a:latin typeface="Times New Roman" pitchFamily="18" charset="0"/>
+                <a:cs typeface="Times New Roman" pitchFamily="18" charset="0"/>
+              </a:rPr>
+              <a:t> </a:t>
+            </a:r>
+            <a:r>
+              <a:rPr lang="en-US" sz="4000" dirty="0" err="1" smtClean="0">
+                <a:latin typeface="Times New Roman" pitchFamily="18" charset="0"/>
+                <a:cs typeface="Times New Roman" pitchFamily="18" charset="0"/>
+              </a:rPr>
+              <a:t>văn</a:t>
+            </a:r>
+            <a:r>
+              <a:rPr lang="en-US" sz="4000" dirty="0" smtClean="0">
+                <a:latin typeface="Times New Roman" pitchFamily="18" charset="0"/>
+                <a:cs typeface="Times New Roman" pitchFamily="18" charset="0"/>
+              </a:rPr>
+              <a:t> </a:t>
+            </a:r>
+            <a:r>
+              <a:rPr lang="en-US" sz="4000" dirty="0" err="1" smtClean="0">
+                <a:latin typeface="Times New Roman" pitchFamily="18" charset="0"/>
+                <a:cs typeface="Times New Roman" pitchFamily="18" charset="0"/>
+              </a:rPr>
+              <a:t>phòng</a:t>
+            </a:r>
+            <a:r>
+              <a:rPr lang="en-US" sz="4000" dirty="0" smtClean="0">
+                <a:latin typeface="Times New Roman" pitchFamily="18" charset="0"/>
+                <a:cs typeface="Times New Roman" pitchFamily="18" charset="0"/>
+              </a:rPr>
+              <a:t> </a:t>
+            </a:r>
+            <a:r>
+              <a:rPr lang="en-US" sz="4000" dirty="0" err="1" smtClean="0">
+                <a:latin typeface="Times New Roman" pitchFamily="18" charset="0"/>
+                <a:cs typeface="Times New Roman" pitchFamily="18" charset="0"/>
+              </a:rPr>
+              <a:t>phẩm</a:t>
+            </a:r>
+            <a:endParaRPr lang="en-US" sz="4000" dirty="0">
+              <a:latin typeface="Times New Roman" pitchFamily="18" charset="0"/>
+              <a:cs typeface="Times New Roman" pitchFamily="18" charset="0"/>
+            </a:endParaRPr>
           </a:p>
         </p:txBody>
       </p:sp>
@@ -5197,7 +5844,7 @@
         </p:blipFill>
         <p:spPr>
           <a:xfrm>
-            <a:off x="2667000" y="457200"/>
+            <a:off x="2286000" y="914400"/>
             <a:ext cx="4114800" cy="5668963"/>
           </a:xfrm>
           <a:prstGeom prst="rect">
@@ -5245,12 +5892,63 @@
             <p:ph type="title"/>
           </p:nvPr>
         </p:nvSpPr>
-        <p:spPr/>
-        <p:txBody>
-          <a:bodyPr/>
-          <a:lstStyle/>
-          <a:p>
-            <a:endParaRPr lang="en-US"/>
+        <p:spPr>
+          <a:xfrm>
+            <a:off x="457200" y="76200"/>
+            <a:ext cx="7620000" cy="838200"/>
+          </a:xfrm>
+        </p:spPr>
+        <p:txBody>
+          <a:bodyPr/>
+          <a:lstStyle/>
+          <a:p>
+            <a:pPr algn="ctr"/>
+            <a:r>
+              <a:rPr lang="en-US" sz="4000" dirty="0" err="1" smtClean="0">
+                <a:latin typeface="Times New Roman" pitchFamily="18" charset="0"/>
+                <a:cs typeface="Times New Roman" pitchFamily="18" charset="0"/>
+              </a:rPr>
+              <a:t>Mà</a:t>
+            </a:r>
+            <a:r>
+              <a:rPr lang="en-US" sz="4000" dirty="0" smtClean="0">
+                <a:latin typeface="Times New Roman" pitchFamily="18" charset="0"/>
+                <a:cs typeface="Times New Roman" pitchFamily="18" charset="0"/>
+              </a:rPr>
+              <a:t> </a:t>
+            </a:r>
+            <a:r>
+              <a:rPr lang="en-US" sz="4000" dirty="0" err="1" smtClean="0">
+                <a:latin typeface="Times New Roman" pitchFamily="18" charset="0"/>
+                <a:cs typeface="Times New Roman" pitchFamily="18" charset="0"/>
+              </a:rPr>
+              <a:t>hình</a:t>
+            </a:r>
+            <a:r>
+              <a:rPr lang="en-US" sz="4000" dirty="0" smtClean="0">
+                <a:latin typeface="Times New Roman" pitchFamily="18" charset="0"/>
+                <a:cs typeface="Times New Roman" pitchFamily="18" charset="0"/>
+              </a:rPr>
+              <a:t> </a:t>
+            </a:r>
+            <a:r>
+              <a:rPr lang="en-US" sz="4000" dirty="0" err="1" smtClean="0">
+                <a:latin typeface="Times New Roman" pitchFamily="18" charset="0"/>
+                <a:cs typeface="Times New Roman" pitchFamily="18" charset="0"/>
+              </a:rPr>
+              <a:t>phòng</a:t>
+            </a:r>
+            <a:r>
+              <a:rPr lang="en-US" sz="4000" dirty="0" smtClean="0">
+                <a:latin typeface="Times New Roman" pitchFamily="18" charset="0"/>
+                <a:cs typeface="Times New Roman" pitchFamily="18" charset="0"/>
+              </a:rPr>
+              <a:t> ban</a:t>
+            </a:r>
+            <a:endParaRPr lang="en-US" sz="4000" dirty="0">
+              <a:latin typeface="Times New Roman" pitchFamily="18" charset="0"/>
+              <a:cs typeface="Times New Roman" pitchFamily="18" charset="0"/>
+            </a:endParaRPr>
           </a:p>
         </p:txBody>
       </p:sp>
@@ -5287,7 +5985,7 @@
         </p:blipFill>
         <p:spPr>
           <a:xfrm>
-            <a:off x="2667000" y="533400"/>
+            <a:off x="2362200" y="990600"/>
             <a:ext cx="3810000" cy="5433060"/>
           </a:xfrm>
           <a:prstGeom prst="rect">
@@ -5335,12 +6033,77 @@
             <p:ph type="title"/>
           </p:nvPr>
         </p:nvSpPr>
-        <p:spPr/>
-        <p:txBody>
-          <a:bodyPr/>
-          <a:lstStyle/>
-          <a:p>
-            <a:endParaRPr lang="en-US"/>
+        <p:spPr>
+          <a:xfrm>
+            <a:off x="457200" y="76200"/>
+            <a:ext cx="7543800" cy="914400"/>
+          </a:xfrm>
+        </p:spPr>
+        <p:txBody>
+          <a:bodyPr/>
+          <a:lstStyle/>
+          <a:p>
+            <a:pPr algn="ctr"/>
+            <a:r>
+              <a:rPr lang="en-US" sz="4000" dirty="0" err="1" smtClean="0">
+                <a:latin typeface="Times New Roman" pitchFamily="18" charset="0"/>
+                <a:cs typeface="Times New Roman" pitchFamily="18" charset="0"/>
+              </a:rPr>
+              <a:t>Màn</a:t>
+            </a:r>
+            <a:r>
+              <a:rPr lang="en-US" sz="4000" dirty="0" smtClean="0">
+                <a:latin typeface="Times New Roman" pitchFamily="18" charset="0"/>
+                <a:cs typeface="Times New Roman" pitchFamily="18" charset="0"/>
+              </a:rPr>
+              <a:t> </a:t>
+            </a:r>
+            <a:r>
+              <a:rPr lang="en-US" sz="4000" dirty="0" err="1" smtClean="0">
+                <a:latin typeface="Times New Roman" pitchFamily="18" charset="0"/>
+                <a:cs typeface="Times New Roman" pitchFamily="18" charset="0"/>
+              </a:rPr>
+              <a:t>hình</a:t>
+            </a:r>
+            <a:r>
+              <a:rPr lang="en-US" sz="4000" dirty="0" smtClean="0">
+                <a:latin typeface="Times New Roman" pitchFamily="18" charset="0"/>
+                <a:cs typeface="Times New Roman" pitchFamily="18" charset="0"/>
+              </a:rPr>
+              <a:t> </a:t>
+            </a:r>
+            <a:r>
+              <a:rPr lang="en-US" sz="4000" dirty="0" err="1" smtClean="0">
+                <a:latin typeface="Times New Roman" pitchFamily="18" charset="0"/>
+                <a:cs typeface="Times New Roman" pitchFamily="18" charset="0"/>
+              </a:rPr>
+              <a:t>thêm</a:t>
+            </a:r>
+            <a:r>
+              <a:rPr lang="en-US" sz="4000" dirty="0" smtClean="0">
+                <a:latin typeface="Times New Roman" pitchFamily="18" charset="0"/>
+                <a:cs typeface="Times New Roman" pitchFamily="18" charset="0"/>
+              </a:rPr>
+              <a:t> </a:t>
+            </a:r>
+            <a:r>
+              <a:rPr lang="en-US" sz="4000" dirty="0" err="1" smtClean="0">
+                <a:latin typeface="Times New Roman" pitchFamily="18" charset="0"/>
+                <a:cs typeface="Times New Roman" pitchFamily="18" charset="0"/>
+              </a:rPr>
+              <a:t>phòng</a:t>
+            </a:r>
+            <a:r>
+              <a:rPr lang="en-US" sz="4000" dirty="0" smtClean="0">
+                <a:latin typeface="Times New Roman" pitchFamily="18" charset="0"/>
+                <a:cs typeface="Times New Roman" pitchFamily="18" charset="0"/>
+              </a:rPr>
+              <a:t> ban</a:t>
+            </a:r>
+            <a:endParaRPr lang="en-US" sz="4000" dirty="0">
+              <a:latin typeface="Times New Roman" pitchFamily="18" charset="0"/>
+              <a:cs typeface="Times New Roman" pitchFamily="18" charset="0"/>
+            </a:endParaRPr>
           </a:p>
         </p:txBody>
       </p:sp>
@@ -5377,8 +6140,8 @@
         </p:blipFill>
         <p:spPr>
           <a:xfrm>
-            <a:off x="2590800" y="304800"/>
-            <a:ext cx="4038600" cy="6019800"/>
+            <a:off x="2514600" y="914400"/>
+            <a:ext cx="3581400" cy="5562600"/>
           </a:xfrm>
           <a:prstGeom prst="rect">
             <a:avLst/>
